--- a/POSCO_simulator/System structure.pptx
+++ b/POSCO_simulator/System structure.pptx
@@ -6,7 +6,8 @@
   </p:sldMasterIdLst>
   <p:sldIdLst>
     <p:sldId id="256" r:id="rId2"/>
-    <p:sldId id="257" r:id="rId3"/>
+    <p:sldId id="258" r:id="rId3"/>
+    <p:sldId id="257" r:id="rId4"/>
   </p:sldIdLst>
   <p:sldSz cx="12192000" cy="6858000"/>
   <p:notesSz cx="6858000" cy="9144000"/>
@@ -260,7 +261,7 @@
           <a:p>
             <a:fld id="{CF65E8F4-214F-40C3-8E22-86C1B70AD57A}" type="datetimeFigureOut">
               <a:rPr lang="ko-KR" altLang="en-US" smtClean="0"/>
-              <a:t>2021-04-11</a:t>
+              <a:t>2021-04-12</a:t>
             </a:fld>
             <a:endParaRPr lang="ko-KR" altLang="en-US"/>
           </a:p>
@@ -458,7 +459,7 @@
           <a:p>
             <a:fld id="{CF65E8F4-214F-40C3-8E22-86C1B70AD57A}" type="datetimeFigureOut">
               <a:rPr lang="ko-KR" altLang="en-US" smtClean="0"/>
-              <a:t>2021-04-11</a:t>
+              <a:t>2021-04-12</a:t>
             </a:fld>
             <a:endParaRPr lang="ko-KR" altLang="en-US"/>
           </a:p>
@@ -666,7 +667,7 @@
           <a:p>
             <a:fld id="{CF65E8F4-214F-40C3-8E22-86C1B70AD57A}" type="datetimeFigureOut">
               <a:rPr lang="ko-KR" altLang="en-US" smtClean="0"/>
-              <a:t>2021-04-11</a:t>
+              <a:t>2021-04-12</a:t>
             </a:fld>
             <a:endParaRPr lang="ko-KR" altLang="en-US"/>
           </a:p>
@@ -864,7 +865,7 @@
           <a:p>
             <a:fld id="{CF65E8F4-214F-40C3-8E22-86C1B70AD57A}" type="datetimeFigureOut">
               <a:rPr lang="ko-KR" altLang="en-US" smtClean="0"/>
-              <a:t>2021-04-11</a:t>
+              <a:t>2021-04-12</a:t>
             </a:fld>
             <a:endParaRPr lang="ko-KR" altLang="en-US"/>
           </a:p>
@@ -1139,7 +1140,7 @@
           <a:p>
             <a:fld id="{CF65E8F4-214F-40C3-8E22-86C1B70AD57A}" type="datetimeFigureOut">
               <a:rPr lang="ko-KR" altLang="en-US" smtClean="0"/>
-              <a:t>2021-04-11</a:t>
+              <a:t>2021-04-12</a:t>
             </a:fld>
             <a:endParaRPr lang="ko-KR" altLang="en-US"/>
           </a:p>
@@ -1404,7 +1405,7 @@
           <a:p>
             <a:fld id="{CF65E8F4-214F-40C3-8E22-86C1B70AD57A}" type="datetimeFigureOut">
               <a:rPr lang="ko-KR" altLang="en-US" smtClean="0"/>
-              <a:t>2021-04-11</a:t>
+              <a:t>2021-04-12</a:t>
             </a:fld>
             <a:endParaRPr lang="ko-KR" altLang="en-US"/>
           </a:p>
@@ -1816,7 +1817,7 @@
           <a:p>
             <a:fld id="{CF65E8F4-214F-40C3-8E22-86C1B70AD57A}" type="datetimeFigureOut">
               <a:rPr lang="ko-KR" altLang="en-US" smtClean="0"/>
-              <a:t>2021-04-11</a:t>
+              <a:t>2021-04-12</a:t>
             </a:fld>
             <a:endParaRPr lang="ko-KR" altLang="en-US"/>
           </a:p>
@@ -1957,7 +1958,7 @@
           <a:p>
             <a:fld id="{CF65E8F4-214F-40C3-8E22-86C1B70AD57A}" type="datetimeFigureOut">
               <a:rPr lang="ko-KR" altLang="en-US" smtClean="0"/>
-              <a:t>2021-04-11</a:t>
+              <a:t>2021-04-12</a:t>
             </a:fld>
             <a:endParaRPr lang="ko-KR" altLang="en-US"/>
           </a:p>
@@ -2070,7 +2071,7 @@
           <a:p>
             <a:fld id="{CF65E8F4-214F-40C3-8E22-86C1B70AD57A}" type="datetimeFigureOut">
               <a:rPr lang="ko-KR" altLang="en-US" smtClean="0"/>
-              <a:t>2021-04-11</a:t>
+              <a:t>2021-04-12</a:t>
             </a:fld>
             <a:endParaRPr lang="ko-KR" altLang="en-US"/>
           </a:p>
@@ -2381,7 +2382,7 @@
           <a:p>
             <a:fld id="{CF65E8F4-214F-40C3-8E22-86C1B70AD57A}" type="datetimeFigureOut">
               <a:rPr lang="ko-KR" altLang="en-US" smtClean="0"/>
-              <a:t>2021-04-11</a:t>
+              <a:t>2021-04-12</a:t>
             </a:fld>
             <a:endParaRPr lang="ko-KR" altLang="en-US"/>
           </a:p>
@@ -2669,7 +2670,7 @@
           <a:p>
             <a:fld id="{CF65E8F4-214F-40C3-8E22-86C1B70AD57A}" type="datetimeFigureOut">
               <a:rPr lang="ko-KR" altLang="en-US" smtClean="0"/>
-              <a:t>2021-04-11</a:t>
+              <a:t>2021-04-12</a:t>
             </a:fld>
             <a:endParaRPr lang="ko-KR" altLang="en-US"/>
           </a:p>
@@ -2910,7 +2911,7 @@
           <a:p>
             <a:fld id="{CF65E8F4-214F-40C3-8E22-86C1B70AD57A}" type="datetimeFigureOut">
               <a:rPr lang="ko-KR" altLang="en-US" smtClean="0"/>
-              <a:t>2021-04-11</a:t>
+              <a:t>2021-04-12</a:t>
             </a:fld>
             <a:endParaRPr lang="ko-KR" altLang="en-US"/>
           </a:p>
@@ -7353,6 +7354,3954 @@
 </file>
 
 <file path=ppt/slides/slide2.xml><?xml version="1.0" encoding="utf-8"?>
+<p:sld xmlns:a="http://schemas.openxmlformats.org/drawingml/2006/main" xmlns:r="http://schemas.openxmlformats.org/officeDocument/2006/relationships" xmlns:p="http://schemas.openxmlformats.org/presentationml/2006/main">
+  <p:cSld>
+    <p:spTree>
+      <p:nvGrpSpPr>
+        <p:cNvPr id="1" name=""/>
+        <p:cNvGrpSpPr/>
+        <p:nvPr/>
+      </p:nvGrpSpPr>
+      <p:grpSpPr>
+        <a:xfrm>
+          <a:off x="0" y="0"/>
+          <a:ext cx="0" cy="0"/>
+          <a:chOff x="0" y="0"/>
+          <a:chExt cx="0" cy="0"/>
+        </a:xfrm>
+      </p:grpSpPr>
+      <p:sp>
+        <p:nvSpPr>
+          <p:cNvPr id="178" name="직사각형 177">
+            <a:extLst>
+              <a:ext uri="{FF2B5EF4-FFF2-40B4-BE49-F238E27FC236}">
+                <a16:creationId xmlns:a16="http://schemas.microsoft.com/office/drawing/2014/main" id="{E60F26FA-E069-41FF-8B1F-45A5B8F8EC94}"/>
+              </a:ext>
+            </a:extLst>
+          </p:cNvPr>
+          <p:cNvSpPr/>
+          <p:nvPr/>
+        </p:nvSpPr>
+        <p:spPr>
+          <a:xfrm flipH="1">
+            <a:off x="1994597" y="3036182"/>
+            <a:ext cx="1980000" cy="720000"/>
+          </a:xfrm>
+          <a:prstGeom prst="rect">
+            <a:avLst/>
+          </a:prstGeom>
+          <a:ln w="38100">
+            <a:solidFill>
+              <a:schemeClr val="accent1"/>
+            </a:solidFill>
+          </a:ln>
+        </p:spPr>
+        <p:style>
+          <a:lnRef idx="1">
+            <a:schemeClr val="accent1"/>
+          </a:lnRef>
+          <a:fillRef idx="0">
+            <a:schemeClr val="accent1"/>
+          </a:fillRef>
+          <a:effectRef idx="0">
+            <a:schemeClr val="accent1"/>
+          </a:effectRef>
+          <a:fontRef idx="minor">
+            <a:schemeClr val="tx1"/>
+          </a:fontRef>
+        </p:style>
+        <p:txBody>
+          <a:bodyPr rtlCol="0" anchor="ctr"/>
+          <a:lstStyle/>
+          <a:p>
+            <a:pPr algn="ctr"/>
+            <a:r>
+              <a:rPr lang="en-US" altLang="ko-KR" dirty="0">
+                <a:latin typeface="나눔스퀘어" panose="020B0600000101010101" pitchFamily="50" charset="-127"/>
+                <a:ea typeface="나눔스퀘어" panose="020B0600000101010101" pitchFamily="50" charset="-127"/>
+              </a:rPr>
+              <a:t>Keyboard</a:t>
+            </a:r>
+            <a:br>
+              <a:rPr lang="en-US" altLang="ko-KR" dirty="0">
+                <a:latin typeface="나눔스퀘어" panose="020B0600000101010101" pitchFamily="50" charset="-127"/>
+                <a:ea typeface="나눔스퀘어" panose="020B0600000101010101" pitchFamily="50" charset="-127"/>
+              </a:rPr>
+            </a:br>
+            <a:r>
+              <a:rPr lang="en-US" altLang="ko-KR" dirty="0">
+                <a:latin typeface="나눔스퀘어" panose="020B0600000101010101" pitchFamily="50" charset="-127"/>
+                <a:ea typeface="나눔스퀘어" panose="020B0600000101010101" pitchFamily="50" charset="-127"/>
+              </a:rPr>
+              <a:t>callback</a:t>
+            </a:r>
+            <a:endParaRPr lang="ko-KR" altLang="en-US" dirty="0">
+              <a:latin typeface="나눔스퀘어" panose="020B0600000101010101" pitchFamily="50" charset="-127"/>
+              <a:ea typeface="나눔스퀘어" panose="020B0600000101010101" pitchFamily="50" charset="-127"/>
+            </a:endParaRPr>
+          </a:p>
+        </p:txBody>
+      </p:sp>
+      <p:sp>
+        <p:nvSpPr>
+          <p:cNvPr id="186" name="직사각형 185">
+            <a:extLst>
+              <a:ext uri="{FF2B5EF4-FFF2-40B4-BE49-F238E27FC236}">
+                <a16:creationId xmlns:a16="http://schemas.microsoft.com/office/drawing/2014/main" id="{DE741CDA-CF95-4821-B240-A68FAFC8C376}"/>
+              </a:ext>
+            </a:extLst>
+          </p:cNvPr>
+          <p:cNvSpPr/>
+          <p:nvPr/>
+        </p:nvSpPr>
+        <p:spPr>
+          <a:xfrm flipH="1">
+            <a:off x="-2939533" y="2416117"/>
+            <a:ext cx="1929468" cy="716926"/>
+          </a:xfrm>
+          <a:prstGeom prst="rect">
+            <a:avLst/>
+          </a:prstGeom>
+          <a:ln w="19050">
+            <a:solidFill>
+              <a:schemeClr val="tx1"/>
+            </a:solidFill>
+          </a:ln>
+        </p:spPr>
+        <p:style>
+          <a:lnRef idx="1">
+            <a:schemeClr val="accent1"/>
+          </a:lnRef>
+          <a:fillRef idx="0">
+            <a:schemeClr val="accent1"/>
+          </a:fillRef>
+          <a:effectRef idx="0">
+            <a:schemeClr val="accent1"/>
+          </a:effectRef>
+          <a:fontRef idx="minor">
+            <a:schemeClr val="tx1"/>
+          </a:fontRef>
+        </p:style>
+        <p:txBody>
+          <a:bodyPr rtlCol="0" anchor="ctr"/>
+          <a:lstStyle/>
+          <a:p>
+            <a:pPr algn="ctr"/>
+            <a:r>
+              <a:rPr lang="en-US" altLang="ko-KR" dirty="0">
+                <a:solidFill>
+                  <a:schemeClr val="tx1"/>
+                </a:solidFill>
+                <a:latin typeface="나눔스퀘어" panose="020B0600000101010101" pitchFamily="50" charset="-127"/>
+                <a:ea typeface="나눔스퀘어" panose="020B0600000101010101" pitchFamily="50" charset="-127"/>
+              </a:rPr>
+              <a:t>End-tool Motion</a:t>
+            </a:r>
+            <a:endParaRPr lang="ko-KR" altLang="en-US" dirty="0">
+              <a:solidFill>
+                <a:schemeClr val="tx1"/>
+              </a:solidFill>
+              <a:latin typeface="나눔스퀘어" panose="020B0600000101010101" pitchFamily="50" charset="-127"/>
+              <a:ea typeface="나눔스퀘어" panose="020B0600000101010101" pitchFamily="50" charset="-127"/>
+            </a:endParaRPr>
+          </a:p>
+        </p:txBody>
+      </p:sp>
+      <p:sp>
+        <p:nvSpPr>
+          <p:cNvPr id="187" name="직사각형 186">
+            <a:extLst>
+              <a:ext uri="{FF2B5EF4-FFF2-40B4-BE49-F238E27FC236}">
+                <a16:creationId xmlns:a16="http://schemas.microsoft.com/office/drawing/2014/main" id="{6D6A0483-450E-4DBC-8280-31AE93A4C4EB}"/>
+              </a:ext>
+            </a:extLst>
+          </p:cNvPr>
+          <p:cNvSpPr/>
+          <p:nvPr/>
+        </p:nvSpPr>
+        <p:spPr>
+          <a:xfrm flipH="1">
+            <a:off x="-2939533" y="3667780"/>
+            <a:ext cx="1929468" cy="716926"/>
+          </a:xfrm>
+          <a:prstGeom prst="rect">
+            <a:avLst/>
+          </a:prstGeom>
+          <a:ln w="19050">
+            <a:solidFill>
+              <a:schemeClr val="tx1"/>
+            </a:solidFill>
+          </a:ln>
+        </p:spPr>
+        <p:style>
+          <a:lnRef idx="1">
+            <a:schemeClr val="accent1"/>
+          </a:lnRef>
+          <a:fillRef idx="0">
+            <a:schemeClr val="accent1"/>
+          </a:fillRef>
+          <a:effectRef idx="0">
+            <a:schemeClr val="accent1"/>
+          </a:effectRef>
+          <a:fontRef idx="minor">
+            <a:schemeClr val="tx1"/>
+          </a:fontRef>
+        </p:style>
+        <p:txBody>
+          <a:bodyPr rtlCol="0" anchor="ctr"/>
+          <a:lstStyle/>
+          <a:p>
+            <a:pPr algn="ctr"/>
+            <a:r>
+              <a:rPr lang="en-US" altLang="ko-KR" dirty="0">
+                <a:latin typeface="나눔스퀘어" panose="020B0600000101010101" pitchFamily="50" charset="-127"/>
+                <a:ea typeface="나눔스퀘어" panose="020B0600000101010101" pitchFamily="50" charset="-127"/>
+              </a:rPr>
+              <a:t>Rendering</a:t>
+            </a:r>
+            <a:endParaRPr lang="en-US" altLang="ko-KR" dirty="0">
+              <a:solidFill>
+                <a:schemeClr val="tx1"/>
+              </a:solidFill>
+              <a:latin typeface="나눔스퀘어" panose="020B0600000101010101" pitchFamily="50" charset="-127"/>
+              <a:ea typeface="나눔스퀘어" panose="020B0600000101010101" pitchFamily="50" charset="-127"/>
+            </a:endParaRPr>
+          </a:p>
+          <a:p>
+            <a:pPr algn="ctr"/>
+            <a:r>
+              <a:rPr lang="en-US" altLang="ko-KR" dirty="0">
+                <a:solidFill>
+                  <a:schemeClr val="tx1"/>
+                </a:solidFill>
+                <a:latin typeface="나눔스퀘어" panose="020B0600000101010101" pitchFamily="50" charset="-127"/>
+                <a:ea typeface="나눔스퀘어" panose="020B0600000101010101" pitchFamily="50" charset="-127"/>
+              </a:rPr>
+              <a:t>Camera Motion</a:t>
+            </a:r>
+            <a:endParaRPr lang="ko-KR" altLang="en-US" dirty="0">
+              <a:solidFill>
+                <a:schemeClr val="tx1"/>
+              </a:solidFill>
+              <a:latin typeface="나눔스퀘어" panose="020B0600000101010101" pitchFamily="50" charset="-127"/>
+              <a:ea typeface="나눔스퀘어" panose="020B0600000101010101" pitchFamily="50" charset="-127"/>
+            </a:endParaRPr>
+          </a:p>
+        </p:txBody>
+      </p:sp>
+      <p:sp>
+        <p:nvSpPr>
+          <p:cNvPr id="188" name="자유형: 도형 187">
+            <a:extLst>
+              <a:ext uri="{FF2B5EF4-FFF2-40B4-BE49-F238E27FC236}">
+                <a16:creationId xmlns:a16="http://schemas.microsoft.com/office/drawing/2014/main" id="{ABCEEC00-889F-457B-B204-F854E518EB26}"/>
+              </a:ext>
+            </a:extLst>
+          </p:cNvPr>
+          <p:cNvSpPr/>
+          <p:nvPr/>
+        </p:nvSpPr>
+        <p:spPr>
+          <a:xfrm flipH="1">
+            <a:off x="-990250" y="2781290"/>
+            <a:ext cx="2178742" cy="420216"/>
+          </a:xfrm>
+          <a:custGeom>
+            <a:avLst/>
+            <a:gdLst>
+              <a:gd name="connsiteX0" fmla="*/ 933450 w 933450"/>
+              <a:gd name="connsiteY0" fmla="*/ 0 h 381000"/>
+              <a:gd name="connsiteX1" fmla="*/ 0 w 933450"/>
+              <a:gd name="connsiteY1" fmla="*/ 0 h 381000"/>
+              <a:gd name="connsiteX2" fmla="*/ 0 w 933450"/>
+              <a:gd name="connsiteY2" fmla="*/ 381000 h 381000"/>
+            </a:gdLst>
+            <a:ahLst/>
+            <a:cxnLst>
+              <a:cxn ang="0">
+                <a:pos x="connsiteX0" y="connsiteY0"/>
+              </a:cxn>
+              <a:cxn ang="0">
+                <a:pos x="connsiteX1" y="connsiteY1"/>
+              </a:cxn>
+              <a:cxn ang="0">
+                <a:pos x="connsiteX2" y="connsiteY2"/>
+              </a:cxn>
+            </a:cxnLst>
+            <a:rect l="l" t="t" r="r" b="b"/>
+            <a:pathLst>
+              <a:path w="933450" h="381000">
+                <a:moveTo>
+                  <a:pt x="933450" y="0"/>
+                </a:moveTo>
+                <a:lnTo>
+                  <a:pt x="0" y="0"/>
+                </a:lnTo>
+                <a:lnTo>
+                  <a:pt x="0" y="381000"/>
+                </a:lnTo>
+              </a:path>
+            </a:pathLst>
+          </a:custGeom>
+          <a:ln w="19050" cap="rnd">
+            <a:solidFill>
+              <a:schemeClr val="tx1"/>
+            </a:solidFill>
+            <a:round/>
+            <a:tailEnd type="oval"/>
+          </a:ln>
+        </p:spPr>
+        <p:style>
+          <a:lnRef idx="1">
+            <a:schemeClr val="accent1"/>
+          </a:lnRef>
+          <a:fillRef idx="0">
+            <a:schemeClr val="accent1"/>
+          </a:fillRef>
+          <a:effectRef idx="0">
+            <a:schemeClr val="accent1"/>
+          </a:effectRef>
+          <a:fontRef idx="minor">
+            <a:schemeClr val="tx1"/>
+          </a:fontRef>
+        </p:style>
+        <p:txBody>
+          <a:bodyPr rtlCol="0" anchor="ctr"/>
+          <a:lstStyle/>
+          <a:p>
+            <a:pPr algn="ctr"/>
+            <a:endParaRPr lang="ko-KR" altLang="en-US">
+              <a:solidFill>
+                <a:schemeClr val="tx1"/>
+              </a:solidFill>
+              <a:latin typeface="나눔스퀘어" panose="020B0600000101010101" pitchFamily="50" charset="-127"/>
+              <a:ea typeface="나눔스퀘어" panose="020B0600000101010101" pitchFamily="50" charset="-127"/>
+            </a:endParaRPr>
+          </a:p>
+        </p:txBody>
+      </p:sp>
+      <p:sp>
+        <p:nvSpPr>
+          <p:cNvPr id="189" name="자유형: 도형 188">
+            <a:extLst>
+              <a:ext uri="{FF2B5EF4-FFF2-40B4-BE49-F238E27FC236}">
+                <a16:creationId xmlns:a16="http://schemas.microsoft.com/office/drawing/2014/main" id="{BA3FBE19-609E-456C-AAEF-9A63A57A7BE7}"/>
+              </a:ext>
+            </a:extLst>
+          </p:cNvPr>
+          <p:cNvSpPr/>
+          <p:nvPr/>
+        </p:nvSpPr>
+        <p:spPr>
+          <a:xfrm flipH="1" flipV="1">
+            <a:off x="-1010065" y="3572981"/>
+            <a:ext cx="2198557" cy="453262"/>
+          </a:xfrm>
+          <a:custGeom>
+            <a:avLst/>
+            <a:gdLst>
+              <a:gd name="connsiteX0" fmla="*/ 933450 w 933450"/>
+              <a:gd name="connsiteY0" fmla="*/ 0 h 381000"/>
+              <a:gd name="connsiteX1" fmla="*/ 0 w 933450"/>
+              <a:gd name="connsiteY1" fmla="*/ 0 h 381000"/>
+              <a:gd name="connsiteX2" fmla="*/ 0 w 933450"/>
+              <a:gd name="connsiteY2" fmla="*/ 381000 h 381000"/>
+            </a:gdLst>
+            <a:ahLst/>
+            <a:cxnLst>
+              <a:cxn ang="0">
+                <a:pos x="connsiteX0" y="connsiteY0"/>
+              </a:cxn>
+              <a:cxn ang="0">
+                <a:pos x="connsiteX1" y="connsiteY1"/>
+              </a:cxn>
+              <a:cxn ang="0">
+                <a:pos x="connsiteX2" y="connsiteY2"/>
+              </a:cxn>
+            </a:cxnLst>
+            <a:rect l="l" t="t" r="r" b="b"/>
+            <a:pathLst>
+              <a:path w="933450" h="381000">
+                <a:moveTo>
+                  <a:pt x="933450" y="0"/>
+                </a:moveTo>
+                <a:lnTo>
+                  <a:pt x="0" y="0"/>
+                </a:lnTo>
+                <a:lnTo>
+                  <a:pt x="0" y="381000"/>
+                </a:lnTo>
+              </a:path>
+            </a:pathLst>
+          </a:custGeom>
+          <a:ln w="19050" cap="rnd">
+            <a:solidFill>
+              <a:schemeClr val="tx1"/>
+            </a:solidFill>
+            <a:round/>
+            <a:tailEnd type="oval"/>
+          </a:ln>
+        </p:spPr>
+        <p:style>
+          <a:lnRef idx="1">
+            <a:schemeClr val="accent1"/>
+          </a:lnRef>
+          <a:fillRef idx="0">
+            <a:schemeClr val="accent1"/>
+          </a:fillRef>
+          <a:effectRef idx="0">
+            <a:schemeClr val="accent1"/>
+          </a:effectRef>
+          <a:fontRef idx="minor">
+            <a:schemeClr val="tx1"/>
+          </a:fontRef>
+        </p:style>
+        <p:txBody>
+          <a:bodyPr rtlCol="0" anchor="ctr"/>
+          <a:lstStyle/>
+          <a:p>
+            <a:pPr algn="ctr"/>
+            <a:endParaRPr lang="ko-KR" altLang="en-US">
+              <a:solidFill>
+                <a:schemeClr val="tx1"/>
+              </a:solidFill>
+              <a:latin typeface="나눔스퀘어" panose="020B0600000101010101" pitchFamily="50" charset="-127"/>
+              <a:ea typeface="나눔스퀘어" panose="020B0600000101010101" pitchFamily="50" charset="-127"/>
+            </a:endParaRPr>
+          </a:p>
+        </p:txBody>
+      </p:sp>
+      <p:sp>
+        <p:nvSpPr>
+          <p:cNvPr id="190" name="자유형: 도형 189">
+            <a:extLst>
+              <a:ext uri="{FF2B5EF4-FFF2-40B4-BE49-F238E27FC236}">
+                <a16:creationId xmlns:a16="http://schemas.microsoft.com/office/drawing/2014/main" id="{AD77631A-40F6-41CE-A8C8-F000AE038BED}"/>
+              </a:ext>
+            </a:extLst>
+          </p:cNvPr>
+          <p:cNvSpPr/>
+          <p:nvPr/>
+        </p:nvSpPr>
+        <p:spPr>
+          <a:xfrm flipH="1">
+            <a:off x="1188492" y="3201506"/>
+            <a:ext cx="801056" cy="200025"/>
+          </a:xfrm>
+          <a:custGeom>
+            <a:avLst/>
+            <a:gdLst>
+              <a:gd name="connsiteX0" fmla="*/ 0 w 904875"/>
+              <a:gd name="connsiteY0" fmla="*/ 152400 h 152400"/>
+              <a:gd name="connsiteX1" fmla="*/ 647700 w 904875"/>
+              <a:gd name="connsiteY1" fmla="*/ 152400 h 152400"/>
+              <a:gd name="connsiteX2" fmla="*/ 904875 w 904875"/>
+              <a:gd name="connsiteY2" fmla="*/ 0 h 152400"/>
+            </a:gdLst>
+            <a:ahLst/>
+            <a:cxnLst>
+              <a:cxn ang="0">
+                <a:pos x="connsiteX0" y="connsiteY0"/>
+              </a:cxn>
+              <a:cxn ang="0">
+                <a:pos x="connsiteX1" y="connsiteY1"/>
+              </a:cxn>
+              <a:cxn ang="0">
+                <a:pos x="connsiteX2" y="connsiteY2"/>
+              </a:cxn>
+            </a:cxnLst>
+            <a:rect l="l" t="t" r="r" b="b"/>
+            <a:pathLst>
+              <a:path w="904875" h="152400">
+                <a:moveTo>
+                  <a:pt x="0" y="152400"/>
+                </a:moveTo>
+                <a:lnTo>
+                  <a:pt x="647700" y="152400"/>
+                </a:lnTo>
+                <a:lnTo>
+                  <a:pt x="904875" y="0"/>
+                </a:lnTo>
+              </a:path>
+            </a:pathLst>
+          </a:custGeom>
+          <a:ln w="19050" cap="rnd">
+            <a:solidFill>
+              <a:schemeClr val="tx1"/>
+            </a:solidFill>
+            <a:round/>
+          </a:ln>
+        </p:spPr>
+        <p:style>
+          <a:lnRef idx="1">
+            <a:schemeClr val="accent1"/>
+          </a:lnRef>
+          <a:fillRef idx="0">
+            <a:schemeClr val="accent1"/>
+          </a:fillRef>
+          <a:effectRef idx="0">
+            <a:schemeClr val="accent1"/>
+          </a:effectRef>
+          <a:fontRef idx="minor">
+            <a:schemeClr val="tx1"/>
+          </a:fontRef>
+        </p:style>
+        <p:txBody>
+          <a:bodyPr rtlCol="0" anchor="ctr"/>
+          <a:lstStyle/>
+          <a:p>
+            <a:pPr algn="ctr"/>
+            <a:endParaRPr lang="ko-KR" altLang="en-US">
+              <a:solidFill>
+                <a:schemeClr val="tx1"/>
+              </a:solidFill>
+              <a:latin typeface="나눔스퀘어" panose="020B0600000101010101" pitchFamily="50" charset="-127"/>
+              <a:ea typeface="나눔스퀘어" panose="020B0600000101010101" pitchFamily="50" charset="-127"/>
+            </a:endParaRPr>
+          </a:p>
+        </p:txBody>
+      </p:sp>
+      <p:sp>
+        <p:nvSpPr>
+          <p:cNvPr id="191" name="타원 190">
+            <a:extLst>
+              <a:ext uri="{FF2B5EF4-FFF2-40B4-BE49-F238E27FC236}">
+                <a16:creationId xmlns:a16="http://schemas.microsoft.com/office/drawing/2014/main" id="{89263BB5-506C-479D-AE07-5C3D65F87A54}"/>
+              </a:ext>
+            </a:extLst>
+          </p:cNvPr>
+          <p:cNvSpPr/>
+          <p:nvPr/>
+        </p:nvSpPr>
+        <p:spPr>
+          <a:xfrm flipH="1">
+            <a:off x="830029" y="3036182"/>
+            <a:ext cx="716926" cy="716926"/>
+          </a:xfrm>
+          <a:prstGeom prst="ellipse">
+            <a:avLst/>
+          </a:prstGeom>
+          <a:ln w="19050" cap="rnd">
+            <a:solidFill>
+              <a:schemeClr val="tx1"/>
+            </a:solidFill>
+            <a:round/>
+          </a:ln>
+        </p:spPr>
+        <p:style>
+          <a:lnRef idx="1">
+            <a:schemeClr val="accent1"/>
+          </a:lnRef>
+          <a:fillRef idx="0">
+            <a:schemeClr val="accent1"/>
+          </a:fillRef>
+          <a:effectRef idx="0">
+            <a:schemeClr val="accent1"/>
+          </a:effectRef>
+          <a:fontRef idx="minor">
+            <a:schemeClr val="tx1"/>
+          </a:fontRef>
+        </p:style>
+        <p:txBody>
+          <a:bodyPr rtlCol="0" anchor="ctr"/>
+          <a:lstStyle/>
+          <a:p>
+            <a:pPr algn="ctr"/>
+            <a:endParaRPr lang="ko-KR" altLang="en-US">
+              <a:solidFill>
+                <a:schemeClr val="tx1"/>
+              </a:solidFill>
+              <a:latin typeface="나눔스퀘어" panose="020B0600000101010101" pitchFamily="50" charset="-127"/>
+              <a:ea typeface="나눔스퀘어" panose="020B0600000101010101" pitchFamily="50" charset="-127"/>
+            </a:endParaRPr>
+          </a:p>
+        </p:txBody>
+      </p:sp>
+      <p:sp>
+        <p:nvSpPr>
+          <p:cNvPr id="192" name="TextBox 191">
+            <a:extLst>
+              <a:ext uri="{FF2B5EF4-FFF2-40B4-BE49-F238E27FC236}">
+                <a16:creationId xmlns:a16="http://schemas.microsoft.com/office/drawing/2014/main" id="{F14216DB-71EE-40AA-963E-9F7874B422B6}"/>
+              </a:ext>
+            </a:extLst>
+          </p:cNvPr>
+          <p:cNvSpPr txBox="1"/>
+          <p:nvPr/>
+        </p:nvSpPr>
+        <p:spPr>
+          <a:xfrm flipH="1">
+            <a:off x="99121" y="4030489"/>
+            <a:ext cx="1526380" cy="400110"/>
+          </a:xfrm>
+          <a:prstGeom prst="rect">
+            <a:avLst/>
+          </a:prstGeom>
+          <a:noFill/>
+        </p:spPr>
+        <p:txBody>
+          <a:bodyPr wrap="none" rtlCol="0">
+            <a:spAutoFit/>
+          </a:bodyPr>
+          <a:lstStyle/>
+          <a:p>
+            <a:r>
+              <a:rPr lang="en-US" altLang="ko-KR" sz="1000" dirty="0">
+                <a:latin typeface="나눔스퀘어" panose="020B0600000101010101" pitchFamily="50" charset="-127"/>
+                <a:ea typeface="나눔스퀘어" panose="020B0600000101010101" pitchFamily="50" charset="-127"/>
+              </a:rPr>
+              <a:t>!</a:t>
+            </a:r>
+            <a:r>
+              <a:rPr lang="en-US" altLang="ko-KR" sz="1000" dirty="0" err="1">
+                <a:latin typeface="나눔스퀘어" panose="020B0600000101010101" pitchFamily="50" charset="-127"/>
+                <a:ea typeface="나눔스퀘어" panose="020B0600000101010101" pitchFamily="50" charset="-127"/>
+              </a:rPr>
+              <a:t>teleoperationMode</a:t>
+            </a:r>
+            <a:r>
+              <a:rPr lang="en-US" altLang="ko-KR" sz="1000" dirty="0">
+                <a:latin typeface="나눔스퀘어" panose="020B0600000101010101" pitchFamily="50" charset="-127"/>
+                <a:ea typeface="나눔스퀘어" panose="020B0600000101010101" pitchFamily="50" charset="-127"/>
+              </a:rPr>
+              <a:t> &amp;&amp;</a:t>
+            </a:r>
+          </a:p>
+          <a:p>
+            <a:r>
+              <a:rPr lang="en-US" altLang="ko-KR" sz="1000" dirty="0">
+                <a:latin typeface="나눔스퀘어" panose="020B0600000101010101" pitchFamily="50" charset="-127"/>
+                <a:ea typeface="나눔스퀘어" panose="020B0600000101010101" pitchFamily="50" charset="-127"/>
+              </a:rPr>
+              <a:t>#if !defined(USE_INDY)</a:t>
+            </a:r>
+          </a:p>
+        </p:txBody>
+      </p:sp>
+      <p:sp>
+        <p:nvSpPr>
+          <p:cNvPr id="193" name="TextBox 192">
+            <a:extLst>
+              <a:ext uri="{FF2B5EF4-FFF2-40B4-BE49-F238E27FC236}">
+                <a16:creationId xmlns:a16="http://schemas.microsoft.com/office/drawing/2014/main" id="{A21DD150-24A3-4185-8FB9-CE229E94DD75}"/>
+              </a:ext>
+            </a:extLst>
+          </p:cNvPr>
+          <p:cNvSpPr txBox="1"/>
+          <p:nvPr/>
+        </p:nvSpPr>
+        <p:spPr>
+          <a:xfrm flipH="1">
+            <a:off x="75650" y="2375637"/>
+            <a:ext cx="1607948" cy="400110"/>
+          </a:xfrm>
+          <a:prstGeom prst="rect">
+            <a:avLst/>
+          </a:prstGeom>
+          <a:noFill/>
+        </p:spPr>
+        <p:txBody>
+          <a:bodyPr wrap="square" rtlCol="0">
+            <a:spAutoFit/>
+          </a:bodyPr>
+          <a:lstStyle/>
+          <a:p>
+            <a:r>
+              <a:rPr lang="en-US" altLang="ko-KR" sz="1000" dirty="0" err="1">
+                <a:latin typeface="나눔스퀘어" panose="020B0600000101010101" pitchFamily="50" charset="-127"/>
+                <a:ea typeface="나눔스퀘어" panose="020B0600000101010101" pitchFamily="50" charset="-127"/>
+              </a:rPr>
+              <a:t>teleoperationMode</a:t>
+            </a:r>
+            <a:r>
+              <a:rPr lang="en-US" altLang="ko-KR" sz="1000" dirty="0">
+                <a:latin typeface="나눔스퀘어" panose="020B0600000101010101" pitchFamily="50" charset="-127"/>
+                <a:ea typeface="나눔스퀘어" panose="020B0600000101010101" pitchFamily="50" charset="-127"/>
+              </a:rPr>
+              <a:t> &amp;&amp; </a:t>
+            </a:r>
+          </a:p>
+          <a:p>
+            <a:r>
+              <a:rPr lang="en-US" altLang="ko-KR" sz="1000" dirty="0">
+                <a:latin typeface="나눔스퀘어" panose="020B0600000101010101" pitchFamily="50" charset="-127"/>
+                <a:ea typeface="나눔스퀘어" panose="020B0600000101010101" pitchFamily="50" charset="-127"/>
+              </a:rPr>
+              <a:t>!</a:t>
+            </a:r>
+            <a:r>
+              <a:rPr lang="en-US" altLang="ko-KR" sz="1000" dirty="0" err="1">
+                <a:latin typeface="나눔스퀘어" panose="020B0600000101010101" pitchFamily="50" charset="-127"/>
+                <a:ea typeface="나눔스퀘어" panose="020B0600000101010101" pitchFamily="50" charset="-127"/>
+              </a:rPr>
+              <a:t>isHapticDeviceAvailable</a:t>
+            </a:r>
+            <a:endParaRPr lang="ko-KR" altLang="en-US" sz="1000" dirty="0">
+              <a:latin typeface="나눔스퀘어" panose="020B0600000101010101" pitchFamily="50" charset="-127"/>
+              <a:ea typeface="나눔스퀘어" panose="020B0600000101010101" pitchFamily="50" charset="-127"/>
+            </a:endParaRPr>
+          </a:p>
+        </p:txBody>
+      </p:sp>
+      <p:sp>
+        <p:nvSpPr>
+          <p:cNvPr id="253" name="TextBox 252">
+            <a:extLst>
+              <a:ext uri="{FF2B5EF4-FFF2-40B4-BE49-F238E27FC236}">
+                <a16:creationId xmlns:a16="http://schemas.microsoft.com/office/drawing/2014/main" id="{E6F36A0F-D717-4467-9E0D-DF4C1685E2E2}"/>
+              </a:ext>
+            </a:extLst>
+          </p:cNvPr>
+          <p:cNvSpPr txBox="1"/>
+          <p:nvPr/>
+        </p:nvSpPr>
+        <p:spPr>
+          <a:xfrm flipH="1">
+            <a:off x="22902" y="3253735"/>
+            <a:ext cx="418704" cy="246221"/>
+          </a:xfrm>
+          <a:prstGeom prst="rect">
+            <a:avLst/>
+          </a:prstGeom>
+          <a:noFill/>
+        </p:spPr>
+        <p:txBody>
+          <a:bodyPr wrap="square" rtlCol="0">
+            <a:spAutoFit/>
+          </a:bodyPr>
+          <a:lstStyle/>
+          <a:p>
+            <a:r>
+              <a:rPr lang="en-US" altLang="ko-KR" sz="1000" dirty="0">
+                <a:latin typeface="나눔스퀘어" panose="020B0600000101010101" pitchFamily="50" charset="-127"/>
+                <a:ea typeface="나눔스퀘어" panose="020B0600000101010101" pitchFamily="50" charset="-127"/>
+              </a:rPr>
+              <a:t>else</a:t>
+            </a:r>
+            <a:endParaRPr lang="ko-KR" altLang="en-US" sz="1000" dirty="0">
+              <a:latin typeface="나눔스퀘어" panose="020B0600000101010101" pitchFamily="50" charset="-127"/>
+              <a:ea typeface="나눔스퀘어" panose="020B0600000101010101" pitchFamily="50" charset="-127"/>
+            </a:endParaRPr>
+          </a:p>
+        </p:txBody>
+      </p:sp>
+      <p:sp>
+        <p:nvSpPr>
+          <p:cNvPr id="179" name="직사각형 178">
+            <a:extLst>
+              <a:ext uri="{FF2B5EF4-FFF2-40B4-BE49-F238E27FC236}">
+                <a16:creationId xmlns:a16="http://schemas.microsoft.com/office/drawing/2014/main" id="{A6F7F5DA-F3C8-4230-99A9-DEB35FA19BC0}"/>
+              </a:ext>
+            </a:extLst>
+          </p:cNvPr>
+          <p:cNvSpPr/>
+          <p:nvPr/>
+        </p:nvSpPr>
+        <p:spPr>
+          <a:xfrm>
+            <a:off x="4479078" y="3036833"/>
+            <a:ext cx="1980000" cy="720000"/>
+          </a:xfrm>
+          <a:prstGeom prst="rect">
+            <a:avLst/>
+          </a:prstGeom>
+          <a:ln w="38100">
+            <a:solidFill>
+              <a:schemeClr val="accent1"/>
+            </a:solidFill>
+          </a:ln>
+        </p:spPr>
+        <p:style>
+          <a:lnRef idx="1">
+            <a:schemeClr val="accent1"/>
+          </a:lnRef>
+          <a:fillRef idx="0">
+            <a:schemeClr val="accent1"/>
+          </a:fillRef>
+          <a:effectRef idx="0">
+            <a:schemeClr val="accent1"/>
+          </a:effectRef>
+          <a:fontRef idx="minor">
+            <a:schemeClr val="tx1"/>
+          </a:fontRef>
+        </p:style>
+        <p:txBody>
+          <a:bodyPr rtlCol="0" anchor="ctr"/>
+          <a:lstStyle/>
+          <a:p>
+            <a:pPr algn="ctr"/>
+            <a:r>
+              <a:rPr lang="en-US" altLang="ko-KR" dirty="0">
+                <a:latin typeface="나눔스퀘어" panose="020B0600000101010101" pitchFamily="50" charset="-127"/>
+                <a:ea typeface="나눔스퀘어" panose="020B0600000101010101" pitchFamily="50" charset="-127"/>
+              </a:rPr>
+              <a:t>World Thread</a:t>
+            </a:r>
+            <a:endParaRPr lang="ko-KR" altLang="en-US" dirty="0">
+              <a:latin typeface="나눔스퀘어" panose="020B0600000101010101" pitchFamily="50" charset="-127"/>
+              <a:ea typeface="나눔스퀘어" panose="020B0600000101010101" pitchFamily="50" charset="-127"/>
+            </a:endParaRPr>
+          </a:p>
+        </p:txBody>
+      </p:sp>
+      <p:sp>
+        <p:nvSpPr>
+          <p:cNvPr id="205" name="자유형: 도형 204">
+            <a:extLst>
+              <a:ext uri="{FF2B5EF4-FFF2-40B4-BE49-F238E27FC236}">
+                <a16:creationId xmlns:a16="http://schemas.microsoft.com/office/drawing/2014/main" id="{C899BC40-2683-4C6B-A189-03045533FD55}"/>
+              </a:ext>
+            </a:extLst>
+          </p:cNvPr>
+          <p:cNvSpPr/>
+          <p:nvPr/>
+        </p:nvSpPr>
+        <p:spPr>
+          <a:xfrm>
+            <a:off x="7383767" y="2815808"/>
+            <a:ext cx="4024517" cy="381000"/>
+          </a:xfrm>
+          <a:custGeom>
+            <a:avLst/>
+            <a:gdLst>
+              <a:gd name="connsiteX0" fmla="*/ 933450 w 933450"/>
+              <a:gd name="connsiteY0" fmla="*/ 0 h 381000"/>
+              <a:gd name="connsiteX1" fmla="*/ 0 w 933450"/>
+              <a:gd name="connsiteY1" fmla="*/ 0 h 381000"/>
+              <a:gd name="connsiteX2" fmla="*/ 0 w 933450"/>
+              <a:gd name="connsiteY2" fmla="*/ 381000 h 381000"/>
+            </a:gdLst>
+            <a:ahLst/>
+            <a:cxnLst>
+              <a:cxn ang="0">
+                <a:pos x="connsiteX0" y="connsiteY0"/>
+              </a:cxn>
+              <a:cxn ang="0">
+                <a:pos x="connsiteX1" y="connsiteY1"/>
+              </a:cxn>
+              <a:cxn ang="0">
+                <a:pos x="connsiteX2" y="connsiteY2"/>
+              </a:cxn>
+            </a:cxnLst>
+            <a:rect l="l" t="t" r="r" b="b"/>
+            <a:pathLst>
+              <a:path w="933450" h="381000">
+                <a:moveTo>
+                  <a:pt x="933450" y="0"/>
+                </a:moveTo>
+                <a:lnTo>
+                  <a:pt x="0" y="0"/>
+                </a:lnTo>
+                <a:lnTo>
+                  <a:pt x="0" y="381000"/>
+                </a:lnTo>
+              </a:path>
+            </a:pathLst>
+          </a:custGeom>
+          <a:ln w="19050" cap="rnd">
+            <a:solidFill>
+              <a:schemeClr val="tx1"/>
+            </a:solidFill>
+            <a:round/>
+            <a:tailEnd type="oval"/>
+          </a:ln>
+        </p:spPr>
+        <p:style>
+          <a:lnRef idx="1">
+            <a:schemeClr val="accent1"/>
+          </a:lnRef>
+          <a:fillRef idx="0">
+            <a:schemeClr val="accent1"/>
+          </a:fillRef>
+          <a:effectRef idx="0">
+            <a:schemeClr val="accent1"/>
+          </a:effectRef>
+          <a:fontRef idx="minor">
+            <a:schemeClr val="tx1"/>
+          </a:fontRef>
+        </p:style>
+        <p:txBody>
+          <a:bodyPr rtlCol="0" anchor="ctr"/>
+          <a:lstStyle/>
+          <a:p>
+            <a:pPr algn="ctr"/>
+            <a:endParaRPr lang="ko-KR" altLang="en-US">
+              <a:solidFill>
+                <a:schemeClr val="tx1"/>
+              </a:solidFill>
+              <a:latin typeface="나눔스퀘어" panose="020B0600000101010101" pitchFamily="50" charset="-127"/>
+              <a:ea typeface="나눔스퀘어" panose="020B0600000101010101" pitchFamily="50" charset="-127"/>
+            </a:endParaRPr>
+          </a:p>
+        </p:txBody>
+      </p:sp>
+      <p:sp>
+        <p:nvSpPr>
+          <p:cNvPr id="206" name="자유형: 도형 205">
+            <a:extLst>
+              <a:ext uri="{FF2B5EF4-FFF2-40B4-BE49-F238E27FC236}">
+                <a16:creationId xmlns:a16="http://schemas.microsoft.com/office/drawing/2014/main" id="{60C110DB-CE1E-4E5D-99E4-F2A0971F143B}"/>
+              </a:ext>
+            </a:extLst>
+          </p:cNvPr>
+          <p:cNvSpPr/>
+          <p:nvPr/>
+        </p:nvSpPr>
+        <p:spPr>
+          <a:xfrm flipV="1">
+            <a:off x="7383768" y="3568283"/>
+            <a:ext cx="933450" cy="921118"/>
+          </a:xfrm>
+          <a:custGeom>
+            <a:avLst/>
+            <a:gdLst>
+              <a:gd name="connsiteX0" fmla="*/ 933450 w 933450"/>
+              <a:gd name="connsiteY0" fmla="*/ 0 h 381000"/>
+              <a:gd name="connsiteX1" fmla="*/ 0 w 933450"/>
+              <a:gd name="connsiteY1" fmla="*/ 0 h 381000"/>
+              <a:gd name="connsiteX2" fmla="*/ 0 w 933450"/>
+              <a:gd name="connsiteY2" fmla="*/ 381000 h 381000"/>
+            </a:gdLst>
+            <a:ahLst/>
+            <a:cxnLst>
+              <a:cxn ang="0">
+                <a:pos x="connsiteX0" y="connsiteY0"/>
+              </a:cxn>
+              <a:cxn ang="0">
+                <a:pos x="connsiteX1" y="connsiteY1"/>
+              </a:cxn>
+              <a:cxn ang="0">
+                <a:pos x="connsiteX2" y="connsiteY2"/>
+              </a:cxn>
+            </a:cxnLst>
+            <a:rect l="l" t="t" r="r" b="b"/>
+            <a:pathLst>
+              <a:path w="933450" h="381000">
+                <a:moveTo>
+                  <a:pt x="933450" y="0"/>
+                </a:moveTo>
+                <a:lnTo>
+                  <a:pt x="0" y="0"/>
+                </a:lnTo>
+                <a:lnTo>
+                  <a:pt x="0" y="381000"/>
+                </a:lnTo>
+              </a:path>
+            </a:pathLst>
+          </a:custGeom>
+          <a:ln w="19050" cap="rnd">
+            <a:solidFill>
+              <a:schemeClr val="tx1"/>
+            </a:solidFill>
+            <a:round/>
+            <a:tailEnd type="oval"/>
+          </a:ln>
+        </p:spPr>
+        <p:style>
+          <a:lnRef idx="1">
+            <a:schemeClr val="accent1"/>
+          </a:lnRef>
+          <a:fillRef idx="0">
+            <a:schemeClr val="accent1"/>
+          </a:fillRef>
+          <a:effectRef idx="0">
+            <a:schemeClr val="accent1"/>
+          </a:effectRef>
+          <a:fontRef idx="minor">
+            <a:schemeClr val="tx1"/>
+          </a:fontRef>
+        </p:style>
+        <p:txBody>
+          <a:bodyPr rtlCol="0" anchor="ctr"/>
+          <a:lstStyle/>
+          <a:p>
+            <a:pPr algn="ctr"/>
+            <a:endParaRPr lang="ko-KR" altLang="en-US">
+              <a:solidFill>
+                <a:schemeClr val="tx1"/>
+              </a:solidFill>
+              <a:latin typeface="나눔스퀘어" panose="020B0600000101010101" pitchFamily="50" charset="-127"/>
+              <a:ea typeface="나눔스퀘어" panose="020B0600000101010101" pitchFamily="50" charset="-127"/>
+            </a:endParaRPr>
+          </a:p>
+        </p:txBody>
+      </p:sp>
+      <p:sp>
+        <p:nvSpPr>
+          <p:cNvPr id="207" name="자유형: 도형 206">
+            <a:extLst>
+              <a:ext uri="{FF2B5EF4-FFF2-40B4-BE49-F238E27FC236}">
+                <a16:creationId xmlns:a16="http://schemas.microsoft.com/office/drawing/2014/main" id="{CBB91E14-120B-4CF4-979C-AEA6756945EF}"/>
+              </a:ext>
+            </a:extLst>
+          </p:cNvPr>
+          <p:cNvSpPr/>
+          <p:nvPr/>
+        </p:nvSpPr>
+        <p:spPr>
+          <a:xfrm>
+            <a:off x="6478893" y="3196808"/>
+            <a:ext cx="904875" cy="200025"/>
+          </a:xfrm>
+          <a:custGeom>
+            <a:avLst/>
+            <a:gdLst>
+              <a:gd name="connsiteX0" fmla="*/ 0 w 904875"/>
+              <a:gd name="connsiteY0" fmla="*/ 152400 h 152400"/>
+              <a:gd name="connsiteX1" fmla="*/ 647700 w 904875"/>
+              <a:gd name="connsiteY1" fmla="*/ 152400 h 152400"/>
+              <a:gd name="connsiteX2" fmla="*/ 904875 w 904875"/>
+              <a:gd name="connsiteY2" fmla="*/ 0 h 152400"/>
+            </a:gdLst>
+            <a:ahLst/>
+            <a:cxnLst>
+              <a:cxn ang="0">
+                <a:pos x="connsiteX0" y="connsiteY0"/>
+              </a:cxn>
+              <a:cxn ang="0">
+                <a:pos x="connsiteX1" y="connsiteY1"/>
+              </a:cxn>
+              <a:cxn ang="0">
+                <a:pos x="connsiteX2" y="connsiteY2"/>
+              </a:cxn>
+            </a:cxnLst>
+            <a:rect l="l" t="t" r="r" b="b"/>
+            <a:pathLst>
+              <a:path w="904875" h="152400">
+                <a:moveTo>
+                  <a:pt x="0" y="152400"/>
+                </a:moveTo>
+                <a:lnTo>
+                  <a:pt x="647700" y="152400"/>
+                </a:lnTo>
+                <a:lnTo>
+                  <a:pt x="904875" y="0"/>
+                </a:lnTo>
+              </a:path>
+            </a:pathLst>
+          </a:custGeom>
+          <a:ln w="19050" cap="rnd">
+            <a:solidFill>
+              <a:schemeClr val="tx1"/>
+            </a:solidFill>
+            <a:round/>
+          </a:ln>
+        </p:spPr>
+        <p:style>
+          <a:lnRef idx="1">
+            <a:schemeClr val="accent1"/>
+          </a:lnRef>
+          <a:fillRef idx="0">
+            <a:schemeClr val="accent1"/>
+          </a:fillRef>
+          <a:effectRef idx="0">
+            <a:schemeClr val="accent1"/>
+          </a:effectRef>
+          <a:fontRef idx="minor">
+            <a:schemeClr val="tx1"/>
+          </a:fontRef>
+        </p:style>
+        <p:txBody>
+          <a:bodyPr rtlCol="0" anchor="ctr"/>
+          <a:lstStyle/>
+          <a:p>
+            <a:pPr algn="ctr"/>
+            <a:endParaRPr lang="ko-KR" altLang="en-US">
+              <a:solidFill>
+                <a:schemeClr val="tx1"/>
+              </a:solidFill>
+              <a:latin typeface="나눔스퀘어" panose="020B0600000101010101" pitchFamily="50" charset="-127"/>
+              <a:ea typeface="나눔스퀘어" panose="020B0600000101010101" pitchFamily="50" charset="-127"/>
+            </a:endParaRPr>
+          </a:p>
+        </p:txBody>
+      </p:sp>
+      <p:sp>
+        <p:nvSpPr>
+          <p:cNvPr id="208" name="타원 207">
+            <a:extLst>
+              <a:ext uri="{FF2B5EF4-FFF2-40B4-BE49-F238E27FC236}">
+                <a16:creationId xmlns:a16="http://schemas.microsoft.com/office/drawing/2014/main" id="{CC669E7A-963D-4C90-A4C1-B2D04D36D4CC}"/>
+              </a:ext>
+            </a:extLst>
+          </p:cNvPr>
+          <p:cNvSpPr/>
+          <p:nvPr/>
+        </p:nvSpPr>
+        <p:spPr>
+          <a:xfrm>
+            <a:off x="7025305" y="3031484"/>
+            <a:ext cx="716926" cy="716926"/>
+          </a:xfrm>
+          <a:prstGeom prst="ellipse">
+            <a:avLst/>
+          </a:prstGeom>
+          <a:ln w="19050" cap="rnd">
+            <a:solidFill>
+              <a:schemeClr val="tx1"/>
+            </a:solidFill>
+            <a:round/>
+          </a:ln>
+        </p:spPr>
+        <p:style>
+          <a:lnRef idx="1">
+            <a:schemeClr val="accent1"/>
+          </a:lnRef>
+          <a:fillRef idx="0">
+            <a:schemeClr val="accent1"/>
+          </a:fillRef>
+          <a:effectRef idx="0">
+            <a:schemeClr val="accent1"/>
+          </a:effectRef>
+          <a:fontRef idx="minor">
+            <a:schemeClr val="tx1"/>
+          </a:fontRef>
+        </p:style>
+        <p:txBody>
+          <a:bodyPr rtlCol="0" anchor="ctr"/>
+          <a:lstStyle/>
+          <a:p>
+            <a:pPr algn="ctr"/>
+            <a:endParaRPr lang="ko-KR" altLang="en-US">
+              <a:solidFill>
+                <a:schemeClr val="tx1"/>
+              </a:solidFill>
+              <a:latin typeface="나눔스퀘어" panose="020B0600000101010101" pitchFamily="50" charset="-127"/>
+              <a:ea typeface="나눔스퀘어" panose="020B0600000101010101" pitchFamily="50" charset="-127"/>
+            </a:endParaRPr>
+          </a:p>
+        </p:txBody>
+      </p:sp>
+      <p:sp>
+        <p:nvSpPr>
+          <p:cNvPr id="209" name="TextBox 208">
+            <a:extLst>
+              <a:ext uri="{FF2B5EF4-FFF2-40B4-BE49-F238E27FC236}">
+                <a16:creationId xmlns:a16="http://schemas.microsoft.com/office/drawing/2014/main" id="{7641A13F-1B7C-41AB-A6CD-4F33C2990FF9}"/>
+              </a:ext>
+            </a:extLst>
+          </p:cNvPr>
+          <p:cNvSpPr txBox="1"/>
+          <p:nvPr/>
+        </p:nvSpPr>
+        <p:spPr>
+          <a:xfrm>
+            <a:off x="7504512" y="3715539"/>
+            <a:ext cx="1507144" cy="246221"/>
+          </a:xfrm>
+          <a:prstGeom prst="rect">
+            <a:avLst/>
+          </a:prstGeom>
+          <a:noFill/>
+        </p:spPr>
+        <p:txBody>
+          <a:bodyPr wrap="none" rtlCol="0">
+            <a:spAutoFit/>
+          </a:bodyPr>
+          <a:lstStyle/>
+          <a:p>
+            <a:r>
+              <a:rPr lang="en-US" altLang="ko-KR" sz="1000" dirty="0">
+                <a:latin typeface="나눔스퀘어" panose="020B0600000101010101" pitchFamily="50" charset="-127"/>
+                <a:ea typeface="나눔스퀘어" panose="020B0600000101010101" pitchFamily="50" charset="-127"/>
+              </a:rPr>
+              <a:t>#if !defined(USE_INDY)</a:t>
+            </a:r>
+            <a:endParaRPr lang="ko-KR" altLang="en-US" sz="1000" dirty="0">
+              <a:latin typeface="나눔스퀘어" panose="020B0600000101010101" pitchFamily="50" charset="-127"/>
+              <a:ea typeface="나눔스퀘어" panose="020B0600000101010101" pitchFamily="50" charset="-127"/>
+            </a:endParaRPr>
+          </a:p>
+        </p:txBody>
+      </p:sp>
+      <p:sp>
+        <p:nvSpPr>
+          <p:cNvPr id="210" name="TextBox 209">
+            <a:extLst>
+              <a:ext uri="{FF2B5EF4-FFF2-40B4-BE49-F238E27FC236}">
+                <a16:creationId xmlns:a16="http://schemas.microsoft.com/office/drawing/2014/main" id="{B3EB21D6-8950-4B2D-8EA1-057A4AB7F2CD}"/>
+              </a:ext>
+            </a:extLst>
+          </p:cNvPr>
+          <p:cNvSpPr txBox="1"/>
+          <p:nvPr/>
+        </p:nvSpPr>
+        <p:spPr>
+          <a:xfrm>
+            <a:off x="7513244" y="2855551"/>
+            <a:ext cx="1607948" cy="246221"/>
+          </a:xfrm>
+          <a:prstGeom prst="rect">
+            <a:avLst/>
+          </a:prstGeom>
+          <a:noFill/>
+        </p:spPr>
+        <p:txBody>
+          <a:bodyPr wrap="square" rtlCol="0">
+            <a:spAutoFit/>
+          </a:bodyPr>
+          <a:lstStyle/>
+          <a:p>
+            <a:r>
+              <a:rPr lang="en-US" altLang="ko-KR" sz="1000" dirty="0">
+                <a:latin typeface="나눔스퀘어" panose="020B0600000101010101" pitchFamily="50" charset="-127"/>
+                <a:ea typeface="나눔스퀘어" panose="020B0600000101010101" pitchFamily="50" charset="-127"/>
+              </a:rPr>
+              <a:t>#if defined(USE_INDY)</a:t>
+            </a:r>
+          </a:p>
+        </p:txBody>
+      </p:sp>
+      <p:sp>
+        <p:nvSpPr>
+          <p:cNvPr id="212" name="직사각형 211">
+            <a:extLst>
+              <a:ext uri="{FF2B5EF4-FFF2-40B4-BE49-F238E27FC236}">
+                <a16:creationId xmlns:a16="http://schemas.microsoft.com/office/drawing/2014/main" id="{5BA4F919-9C94-4668-8CAB-BDA1B1AADF88}"/>
+              </a:ext>
+            </a:extLst>
+          </p:cNvPr>
+          <p:cNvSpPr/>
+          <p:nvPr/>
+        </p:nvSpPr>
+        <p:spPr>
+          <a:xfrm>
+            <a:off x="8317218" y="4126801"/>
+            <a:ext cx="1236936" cy="716926"/>
+          </a:xfrm>
+          <a:prstGeom prst="rect">
+            <a:avLst/>
+          </a:prstGeom>
+          <a:solidFill>
+            <a:schemeClr val="accent5">
+              <a:lumMod val="20000"/>
+              <a:lumOff val="80000"/>
+            </a:schemeClr>
+          </a:solidFill>
+          <a:ln w="19050">
+            <a:solidFill>
+              <a:schemeClr val="tx1"/>
+            </a:solidFill>
+          </a:ln>
+        </p:spPr>
+        <p:style>
+          <a:lnRef idx="1">
+            <a:schemeClr val="accent1"/>
+          </a:lnRef>
+          <a:fillRef idx="0">
+            <a:schemeClr val="accent1"/>
+          </a:fillRef>
+          <a:effectRef idx="0">
+            <a:schemeClr val="accent1"/>
+          </a:effectRef>
+          <a:fontRef idx="minor">
+            <a:schemeClr val="tx1"/>
+          </a:fontRef>
+        </p:style>
+        <p:txBody>
+          <a:bodyPr rtlCol="0" anchor="ctr"/>
+          <a:lstStyle/>
+          <a:p>
+            <a:pPr algn="ctr"/>
+            <a:r>
+              <a:rPr lang="en-US" altLang="ko-KR" dirty="0">
+                <a:solidFill>
+                  <a:schemeClr val="tx1"/>
+                </a:solidFill>
+                <a:latin typeface="나눔스퀘어" panose="020B0600000101010101" pitchFamily="50" charset="-127"/>
+                <a:ea typeface="나눔스퀘어" panose="020B0600000101010101" pitchFamily="50" charset="-127"/>
+              </a:rPr>
+              <a:t>Furnace World</a:t>
+            </a:r>
+            <a:endParaRPr lang="ko-KR" altLang="en-US" dirty="0">
+              <a:solidFill>
+                <a:schemeClr val="tx1"/>
+              </a:solidFill>
+              <a:latin typeface="나눔스퀘어" panose="020B0600000101010101" pitchFamily="50" charset="-127"/>
+              <a:ea typeface="나눔스퀘어" panose="020B0600000101010101" pitchFamily="50" charset="-127"/>
+            </a:endParaRPr>
+          </a:p>
+        </p:txBody>
+      </p:sp>
+      <p:sp>
+        <p:nvSpPr>
+          <p:cNvPr id="213" name="직사각형 212">
+            <a:extLst>
+              <a:ext uri="{FF2B5EF4-FFF2-40B4-BE49-F238E27FC236}">
+                <a16:creationId xmlns:a16="http://schemas.microsoft.com/office/drawing/2014/main" id="{FC7D2FA0-9C03-4CFA-BB56-A7BD362D76CF}"/>
+              </a:ext>
+            </a:extLst>
+          </p:cNvPr>
+          <p:cNvSpPr/>
+          <p:nvPr/>
+        </p:nvSpPr>
+        <p:spPr>
+          <a:xfrm>
+            <a:off x="11421794" y="2457840"/>
+            <a:ext cx="1236936" cy="716926"/>
+          </a:xfrm>
+          <a:prstGeom prst="rect">
+            <a:avLst/>
+          </a:prstGeom>
+          <a:ln w="19050">
+            <a:solidFill>
+              <a:schemeClr val="tx1"/>
+            </a:solidFill>
+          </a:ln>
+        </p:spPr>
+        <p:style>
+          <a:lnRef idx="1">
+            <a:schemeClr val="accent1"/>
+          </a:lnRef>
+          <a:fillRef idx="0">
+            <a:schemeClr val="accent1"/>
+          </a:fillRef>
+          <a:effectRef idx="0">
+            <a:schemeClr val="accent1"/>
+          </a:effectRef>
+          <a:fontRef idx="minor">
+            <a:schemeClr val="tx1"/>
+          </a:fontRef>
+        </p:style>
+        <p:txBody>
+          <a:bodyPr rtlCol="0" anchor="ctr"/>
+          <a:lstStyle/>
+          <a:p>
+            <a:pPr algn="ctr"/>
+            <a:r>
+              <a:rPr lang="en-US" altLang="ko-KR">
+                <a:latin typeface="나눔스퀘어" panose="020B0600000101010101" pitchFamily="50" charset="-127"/>
+                <a:ea typeface="나눔스퀘어" panose="020B0600000101010101" pitchFamily="50" charset="-127"/>
+              </a:rPr>
+              <a:t>Indy </a:t>
+            </a:r>
+            <a:r>
+              <a:rPr lang="en-US" altLang="ko-KR" dirty="0">
+                <a:latin typeface="나눔스퀘어" panose="020B0600000101010101" pitchFamily="50" charset="-127"/>
+                <a:ea typeface="나눔스퀘어" panose="020B0600000101010101" pitchFamily="50" charset="-127"/>
+              </a:rPr>
+              <a:t>DCP</a:t>
+            </a:r>
+            <a:endParaRPr lang="ko-KR" altLang="en-US" dirty="0">
+              <a:latin typeface="나눔스퀘어" panose="020B0600000101010101" pitchFamily="50" charset="-127"/>
+              <a:ea typeface="나눔스퀘어" panose="020B0600000101010101" pitchFamily="50" charset="-127"/>
+            </a:endParaRPr>
+          </a:p>
+        </p:txBody>
+      </p:sp>
+      <p:sp>
+        <p:nvSpPr>
+          <p:cNvPr id="214" name="자유형: 도형 213">
+            <a:extLst>
+              <a:ext uri="{FF2B5EF4-FFF2-40B4-BE49-F238E27FC236}">
+                <a16:creationId xmlns:a16="http://schemas.microsoft.com/office/drawing/2014/main" id="{FA95BE4C-BE4D-438B-AA8B-15E966A0A03C}"/>
+              </a:ext>
+            </a:extLst>
+          </p:cNvPr>
+          <p:cNvSpPr/>
+          <p:nvPr/>
+        </p:nvSpPr>
+        <p:spPr>
+          <a:xfrm>
+            <a:off x="10474851" y="3916459"/>
+            <a:ext cx="933450" cy="381000"/>
+          </a:xfrm>
+          <a:custGeom>
+            <a:avLst/>
+            <a:gdLst>
+              <a:gd name="connsiteX0" fmla="*/ 933450 w 933450"/>
+              <a:gd name="connsiteY0" fmla="*/ 0 h 381000"/>
+              <a:gd name="connsiteX1" fmla="*/ 0 w 933450"/>
+              <a:gd name="connsiteY1" fmla="*/ 0 h 381000"/>
+              <a:gd name="connsiteX2" fmla="*/ 0 w 933450"/>
+              <a:gd name="connsiteY2" fmla="*/ 381000 h 381000"/>
+            </a:gdLst>
+            <a:ahLst/>
+            <a:cxnLst>
+              <a:cxn ang="0">
+                <a:pos x="connsiteX0" y="connsiteY0"/>
+              </a:cxn>
+              <a:cxn ang="0">
+                <a:pos x="connsiteX1" y="connsiteY1"/>
+              </a:cxn>
+              <a:cxn ang="0">
+                <a:pos x="connsiteX2" y="connsiteY2"/>
+              </a:cxn>
+            </a:cxnLst>
+            <a:rect l="l" t="t" r="r" b="b"/>
+            <a:pathLst>
+              <a:path w="933450" h="381000">
+                <a:moveTo>
+                  <a:pt x="933450" y="0"/>
+                </a:moveTo>
+                <a:lnTo>
+                  <a:pt x="0" y="0"/>
+                </a:lnTo>
+                <a:lnTo>
+                  <a:pt x="0" y="381000"/>
+                </a:lnTo>
+              </a:path>
+            </a:pathLst>
+          </a:custGeom>
+          <a:ln w="19050" cap="rnd">
+            <a:solidFill>
+              <a:schemeClr val="tx1"/>
+            </a:solidFill>
+            <a:round/>
+            <a:tailEnd type="oval"/>
+          </a:ln>
+        </p:spPr>
+        <p:style>
+          <a:lnRef idx="1">
+            <a:schemeClr val="accent1"/>
+          </a:lnRef>
+          <a:fillRef idx="0">
+            <a:schemeClr val="accent1"/>
+          </a:fillRef>
+          <a:effectRef idx="0">
+            <a:schemeClr val="accent1"/>
+          </a:effectRef>
+          <a:fontRef idx="minor">
+            <a:schemeClr val="tx1"/>
+          </a:fontRef>
+        </p:style>
+        <p:txBody>
+          <a:bodyPr rtlCol="0" anchor="ctr"/>
+          <a:lstStyle/>
+          <a:p>
+            <a:pPr algn="ctr"/>
+            <a:endParaRPr lang="ko-KR" altLang="en-US">
+              <a:solidFill>
+                <a:schemeClr val="tx1"/>
+              </a:solidFill>
+              <a:latin typeface="나눔스퀘어" panose="020B0600000101010101" pitchFamily="50" charset="-127"/>
+              <a:ea typeface="나눔스퀘어" panose="020B0600000101010101" pitchFamily="50" charset="-127"/>
+            </a:endParaRPr>
+          </a:p>
+        </p:txBody>
+      </p:sp>
+      <p:sp>
+        <p:nvSpPr>
+          <p:cNvPr id="215" name="자유형: 도형 214">
+            <a:extLst>
+              <a:ext uri="{FF2B5EF4-FFF2-40B4-BE49-F238E27FC236}">
+                <a16:creationId xmlns:a16="http://schemas.microsoft.com/office/drawing/2014/main" id="{E0DABAA2-2453-40D2-8B52-271E0E5C2E98}"/>
+              </a:ext>
+            </a:extLst>
+          </p:cNvPr>
+          <p:cNvSpPr/>
+          <p:nvPr/>
+        </p:nvSpPr>
+        <p:spPr>
+          <a:xfrm flipV="1">
+            <a:off x="10474851" y="4668934"/>
+            <a:ext cx="933450" cy="453262"/>
+          </a:xfrm>
+          <a:custGeom>
+            <a:avLst/>
+            <a:gdLst>
+              <a:gd name="connsiteX0" fmla="*/ 933450 w 933450"/>
+              <a:gd name="connsiteY0" fmla="*/ 0 h 381000"/>
+              <a:gd name="connsiteX1" fmla="*/ 0 w 933450"/>
+              <a:gd name="connsiteY1" fmla="*/ 0 h 381000"/>
+              <a:gd name="connsiteX2" fmla="*/ 0 w 933450"/>
+              <a:gd name="connsiteY2" fmla="*/ 381000 h 381000"/>
+            </a:gdLst>
+            <a:ahLst/>
+            <a:cxnLst>
+              <a:cxn ang="0">
+                <a:pos x="connsiteX0" y="connsiteY0"/>
+              </a:cxn>
+              <a:cxn ang="0">
+                <a:pos x="connsiteX1" y="connsiteY1"/>
+              </a:cxn>
+              <a:cxn ang="0">
+                <a:pos x="connsiteX2" y="connsiteY2"/>
+              </a:cxn>
+            </a:cxnLst>
+            <a:rect l="l" t="t" r="r" b="b"/>
+            <a:pathLst>
+              <a:path w="933450" h="381000">
+                <a:moveTo>
+                  <a:pt x="933450" y="0"/>
+                </a:moveTo>
+                <a:lnTo>
+                  <a:pt x="0" y="0"/>
+                </a:lnTo>
+                <a:lnTo>
+                  <a:pt x="0" y="381000"/>
+                </a:lnTo>
+              </a:path>
+            </a:pathLst>
+          </a:custGeom>
+          <a:ln w="19050" cap="rnd">
+            <a:solidFill>
+              <a:schemeClr val="tx1"/>
+            </a:solidFill>
+            <a:round/>
+            <a:tailEnd type="oval"/>
+          </a:ln>
+        </p:spPr>
+        <p:style>
+          <a:lnRef idx="1">
+            <a:schemeClr val="accent1"/>
+          </a:lnRef>
+          <a:fillRef idx="0">
+            <a:schemeClr val="accent1"/>
+          </a:fillRef>
+          <a:effectRef idx="0">
+            <a:schemeClr val="accent1"/>
+          </a:effectRef>
+          <a:fontRef idx="minor">
+            <a:schemeClr val="tx1"/>
+          </a:fontRef>
+        </p:style>
+        <p:txBody>
+          <a:bodyPr rtlCol="0" anchor="ctr"/>
+          <a:lstStyle/>
+          <a:p>
+            <a:pPr algn="ctr"/>
+            <a:endParaRPr lang="ko-KR" altLang="en-US">
+              <a:solidFill>
+                <a:schemeClr val="tx1"/>
+              </a:solidFill>
+              <a:latin typeface="나눔스퀘어" panose="020B0600000101010101" pitchFamily="50" charset="-127"/>
+              <a:ea typeface="나눔스퀘어" panose="020B0600000101010101" pitchFamily="50" charset="-127"/>
+            </a:endParaRPr>
+          </a:p>
+        </p:txBody>
+      </p:sp>
+      <p:sp>
+        <p:nvSpPr>
+          <p:cNvPr id="216" name="자유형: 도형 215">
+            <a:extLst>
+              <a:ext uri="{FF2B5EF4-FFF2-40B4-BE49-F238E27FC236}">
+                <a16:creationId xmlns:a16="http://schemas.microsoft.com/office/drawing/2014/main" id="{6A73C453-C6D6-4CB3-961A-4D01B538F8AC}"/>
+              </a:ext>
+            </a:extLst>
+          </p:cNvPr>
+          <p:cNvSpPr/>
+          <p:nvPr/>
+        </p:nvSpPr>
+        <p:spPr>
+          <a:xfrm>
+            <a:off x="9569976" y="4297459"/>
+            <a:ext cx="904875" cy="200025"/>
+          </a:xfrm>
+          <a:custGeom>
+            <a:avLst/>
+            <a:gdLst>
+              <a:gd name="connsiteX0" fmla="*/ 0 w 904875"/>
+              <a:gd name="connsiteY0" fmla="*/ 152400 h 152400"/>
+              <a:gd name="connsiteX1" fmla="*/ 647700 w 904875"/>
+              <a:gd name="connsiteY1" fmla="*/ 152400 h 152400"/>
+              <a:gd name="connsiteX2" fmla="*/ 904875 w 904875"/>
+              <a:gd name="connsiteY2" fmla="*/ 0 h 152400"/>
+            </a:gdLst>
+            <a:ahLst/>
+            <a:cxnLst>
+              <a:cxn ang="0">
+                <a:pos x="connsiteX0" y="connsiteY0"/>
+              </a:cxn>
+              <a:cxn ang="0">
+                <a:pos x="connsiteX1" y="connsiteY1"/>
+              </a:cxn>
+              <a:cxn ang="0">
+                <a:pos x="connsiteX2" y="connsiteY2"/>
+              </a:cxn>
+            </a:cxnLst>
+            <a:rect l="l" t="t" r="r" b="b"/>
+            <a:pathLst>
+              <a:path w="904875" h="152400">
+                <a:moveTo>
+                  <a:pt x="0" y="152400"/>
+                </a:moveTo>
+                <a:lnTo>
+                  <a:pt x="647700" y="152400"/>
+                </a:lnTo>
+                <a:lnTo>
+                  <a:pt x="904875" y="0"/>
+                </a:lnTo>
+              </a:path>
+            </a:pathLst>
+          </a:custGeom>
+          <a:ln w="19050" cap="rnd">
+            <a:solidFill>
+              <a:schemeClr val="tx1"/>
+            </a:solidFill>
+            <a:round/>
+          </a:ln>
+        </p:spPr>
+        <p:style>
+          <a:lnRef idx="1">
+            <a:schemeClr val="accent1"/>
+          </a:lnRef>
+          <a:fillRef idx="0">
+            <a:schemeClr val="accent1"/>
+          </a:fillRef>
+          <a:effectRef idx="0">
+            <a:schemeClr val="accent1"/>
+          </a:effectRef>
+          <a:fontRef idx="minor">
+            <a:schemeClr val="tx1"/>
+          </a:fontRef>
+        </p:style>
+        <p:txBody>
+          <a:bodyPr rtlCol="0" anchor="ctr"/>
+          <a:lstStyle/>
+          <a:p>
+            <a:pPr algn="ctr"/>
+            <a:endParaRPr lang="ko-KR" altLang="en-US">
+              <a:solidFill>
+                <a:schemeClr val="tx1"/>
+              </a:solidFill>
+              <a:latin typeface="나눔스퀘어" panose="020B0600000101010101" pitchFamily="50" charset="-127"/>
+              <a:ea typeface="나눔스퀘어" panose="020B0600000101010101" pitchFamily="50" charset="-127"/>
+            </a:endParaRPr>
+          </a:p>
+        </p:txBody>
+      </p:sp>
+      <p:sp>
+        <p:nvSpPr>
+          <p:cNvPr id="217" name="타원 216">
+            <a:extLst>
+              <a:ext uri="{FF2B5EF4-FFF2-40B4-BE49-F238E27FC236}">
+                <a16:creationId xmlns:a16="http://schemas.microsoft.com/office/drawing/2014/main" id="{CAAFA404-9405-4967-AC18-0B91D8BA6A4D}"/>
+              </a:ext>
+            </a:extLst>
+          </p:cNvPr>
+          <p:cNvSpPr/>
+          <p:nvPr/>
+        </p:nvSpPr>
+        <p:spPr>
+          <a:xfrm>
+            <a:off x="10116388" y="4132135"/>
+            <a:ext cx="716926" cy="716926"/>
+          </a:xfrm>
+          <a:prstGeom prst="ellipse">
+            <a:avLst/>
+          </a:prstGeom>
+          <a:ln w="19050" cap="rnd">
+            <a:solidFill>
+              <a:schemeClr val="tx1"/>
+            </a:solidFill>
+            <a:round/>
+          </a:ln>
+        </p:spPr>
+        <p:style>
+          <a:lnRef idx="1">
+            <a:schemeClr val="accent1"/>
+          </a:lnRef>
+          <a:fillRef idx="0">
+            <a:schemeClr val="accent1"/>
+          </a:fillRef>
+          <a:effectRef idx="0">
+            <a:schemeClr val="accent1"/>
+          </a:effectRef>
+          <a:fontRef idx="minor">
+            <a:schemeClr val="tx1"/>
+          </a:fontRef>
+        </p:style>
+        <p:txBody>
+          <a:bodyPr rtlCol="0" anchor="ctr"/>
+          <a:lstStyle/>
+          <a:p>
+            <a:pPr algn="ctr"/>
+            <a:endParaRPr lang="ko-KR" altLang="en-US">
+              <a:solidFill>
+                <a:schemeClr val="tx1"/>
+              </a:solidFill>
+              <a:latin typeface="나눔스퀘어" panose="020B0600000101010101" pitchFamily="50" charset="-127"/>
+              <a:ea typeface="나눔스퀘어" panose="020B0600000101010101" pitchFamily="50" charset="-127"/>
+            </a:endParaRPr>
+          </a:p>
+        </p:txBody>
+      </p:sp>
+      <p:sp>
+        <p:nvSpPr>
+          <p:cNvPr id="218" name="직사각형 217">
+            <a:extLst>
+              <a:ext uri="{FF2B5EF4-FFF2-40B4-BE49-F238E27FC236}">
+                <a16:creationId xmlns:a16="http://schemas.microsoft.com/office/drawing/2014/main" id="{ED576176-DC9B-4481-9E79-C25F694FCAC2}"/>
+              </a:ext>
+            </a:extLst>
+          </p:cNvPr>
+          <p:cNvSpPr/>
+          <p:nvPr/>
+        </p:nvSpPr>
+        <p:spPr>
+          <a:xfrm>
+            <a:off x="11421794" y="3568283"/>
+            <a:ext cx="1236936" cy="716926"/>
+          </a:xfrm>
+          <a:prstGeom prst="rect">
+            <a:avLst/>
+          </a:prstGeom>
+          <a:ln w="19050">
+            <a:solidFill>
+              <a:schemeClr val="tx1"/>
+            </a:solidFill>
+          </a:ln>
+        </p:spPr>
+        <p:style>
+          <a:lnRef idx="1">
+            <a:schemeClr val="accent1"/>
+          </a:lnRef>
+          <a:fillRef idx="0">
+            <a:schemeClr val="accent1"/>
+          </a:fillRef>
+          <a:effectRef idx="0">
+            <a:schemeClr val="accent1"/>
+          </a:effectRef>
+          <a:fontRef idx="minor">
+            <a:schemeClr val="tx1"/>
+          </a:fontRef>
+        </p:style>
+        <p:txBody>
+          <a:bodyPr rtlCol="0" anchor="ctr"/>
+          <a:lstStyle/>
+          <a:p>
+            <a:pPr algn="ctr"/>
+            <a:r>
+              <a:rPr lang="en-US" altLang="ko-KR" dirty="0">
+                <a:solidFill>
+                  <a:schemeClr val="tx1"/>
+                </a:solidFill>
+                <a:latin typeface="나눔스퀘어" panose="020B0600000101010101" pitchFamily="50" charset="-127"/>
+                <a:ea typeface="나눔스퀘어" panose="020B0600000101010101" pitchFamily="50" charset="-127"/>
+              </a:rPr>
+              <a:t>Bullet Furnace</a:t>
+            </a:r>
+            <a:endParaRPr lang="ko-KR" altLang="en-US" dirty="0">
+              <a:solidFill>
+                <a:schemeClr val="tx1"/>
+              </a:solidFill>
+              <a:latin typeface="나눔스퀘어" panose="020B0600000101010101" pitchFamily="50" charset="-127"/>
+              <a:ea typeface="나눔스퀘어" panose="020B0600000101010101" pitchFamily="50" charset="-127"/>
+            </a:endParaRPr>
+          </a:p>
+        </p:txBody>
+      </p:sp>
+      <p:sp>
+        <p:nvSpPr>
+          <p:cNvPr id="219" name="직사각형 218">
+            <a:extLst>
+              <a:ext uri="{FF2B5EF4-FFF2-40B4-BE49-F238E27FC236}">
+                <a16:creationId xmlns:a16="http://schemas.microsoft.com/office/drawing/2014/main" id="{231AD7C3-7E61-404F-A61F-DC615008724B}"/>
+              </a:ext>
+            </a:extLst>
+          </p:cNvPr>
+          <p:cNvSpPr/>
+          <p:nvPr/>
+        </p:nvSpPr>
+        <p:spPr>
+          <a:xfrm>
+            <a:off x="11421794" y="4778327"/>
+            <a:ext cx="1236936" cy="716926"/>
+          </a:xfrm>
+          <a:prstGeom prst="rect">
+            <a:avLst/>
+          </a:prstGeom>
+          <a:ln w="19050">
+            <a:solidFill>
+              <a:schemeClr val="tx1"/>
+            </a:solidFill>
+          </a:ln>
+        </p:spPr>
+        <p:style>
+          <a:lnRef idx="1">
+            <a:schemeClr val="accent1"/>
+          </a:lnRef>
+          <a:fillRef idx="0">
+            <a:schemeClr val="accent1"/>
+          </a:fillRef>
+          <a:effectRef idx="0">
+            <a:schemeClr val="accent1"/>
+          </a:effectRef>
+          <a:fontRef idx="minor">
+            <a:schemeClr val="tx1"/>
+          </a:fontRef>
+        </p:style>
+        <p:txBody>
+          <a:bodyPr rtlCol="0" anchor="ctr"/>
+          <a:lstStyle/>
+          <a:p>
+            <a:pPr algn="ctr"/>
+            <a:r>
+              <a:rPr lang="en-US" altLang="ko-KR" dirty="0">
+                <a:solidFill>
+                  <a:schemeClr val="tx1"/>
+                </a:solidFill>
+                <a:latin typeface="나눔스퀘어" panose="020B0600000101010101" pitchFamily="50" charset="-127"/>
+                <a:ea typeface="나눔스퀘어" panose="020B0600000101010101" pitchFamily="50" charset="-127"/>
+              </a:rPr>
+              <a:t>ODE Furnace</a:t>
+            </a:r>
+            <a:endParaRPr lang="ko-KR" altLang="en-US" dirty="0">
+              <a:solidFill>
+                <a:schemeClr val="tx1"/>
+              </a:solidFill>
+              <a:latin typeface="나눔스퀘어" panose="020B0600000101010101" pitchFamily="50" charset="-127"/>
+              <a:ea typeface="나눔스퀘어" panose="020B0600000101010101" pitchFamily="50" charset="-127"/>
+            </a:endParaRPr>
+          </a:p>
+        </p:txBody>
+      </p:sp>
+      <p:sp>
+        <p:nvSpPr>
+          <p:cNvPr id="220" name="TextBox 219">
+            <a:extLst>
+              <a:ext uri="{FF2B5EF4-FFF2-40B4-BE49-F238E27FC236}">
+                <a16:creationId xmlns:a16="http://schemas.microsoft.com/office/drawing/2014/main" id="{014877FF-37C1-48B5-B6C6-E75C6DE5250B}"/>
+              </a:ext>
+            </a:extLst>
+          </p:cNvPr>
+          <p:cNvSpPr txBox="1"/>
+          <p:nvPr/>
+        </p:nvSpPr>
+        <p:spPr>
+          <a:xfrm>
+            <a:off x="9767835" y="3664635"/>
+            <a:ext cx="1640465" cy="246221"/>
+          </a:xfrm>
+          <a:prstGeom prst="rect">
+            <a:avLst/>
+          </a:prstGeom>
+          <a:noFill/>
+        </p:spPr>
+        <p:txBody>
+          <a:bodyPr wrap="square" rtlCol="0">
+            <a:spAutoFit/>
+          </a:bodyPr>
+          <a:lstStyle/>
+          <a:p>
+            <a:r>
+              <a:rPr lang="en-US" altLang="ko-KR" sz="1000" dirty="0">
+                <a:latin typeface="나눔스퀘어" panose="020B0600000101010101" pitchFamily="50" charset="-127"/>
+                <a:ea typeface="나눔스퀘어" panose="020B0600000101010101" pitchFamily="50" charset="-127"/>
+              </a:rPr>
+              <a:t>#if defined(USE_BULLET)</a:t>
+            </a:r>
+          </a:p>
+        </p:txBody>
+      </p:sp>
+      <p:sp>
+        <p:nvSpPr>
+          <p:cNvPr id="221" name="TextBox 220">
+            <a:extLst>
+              <a:ext uri="{FF2B5EF4-FFF2-40B4-BE49-F238E27FC236}">
+                <a16:creationId xmlns:a16="http://schemas.microsoft.com/office/drawing/2014/main" id="{B9E73C4E-2B8A-4871-B801-074939A099DB}"/>
+              </a:ext>
+            </a:extLst>
+          </p:cNvPr>
+          <p:cNvSpPr txBox="1"/>
+          <p:nvPr/>
+        </p:nvSpPr>
+        <p:spPr>
+          <a:xfrm>
+            <a:off x="9767836" y="5127705"/>
+            <a:ext cx="1389694" cy="246221"/>
+          </a:xfrm>
+          <a:prstGeom prst="rect">
+            <a:avLst/>
+          </a:prstGeom>
+          <a:noFill/>
+        </p:spPr>
+        <p:txBody>
+          <a:bodyPr wrap="square" rtlCol="0">
+            <a:spAutoFit/>
+          </a:bodyPr>
+          <a:lstStyle/>
+          <a:p>
+            <a:r>
+              <a:rPr lang="en-US" altLang="ko-KR" sz="1000" dirty="0">
+                <a:latin typeface="나눔스퀘어" panose="020B0600000101010101" pitchFamily="50" charset="-127"/>
+                <a:ea typeface="나눔스퀘어" panose="020B0600000101010101" pitchFamily="50" charset="-127"/>
+              </a:rPr>
+              <a:t>#if defined(USE_ODE)</a:t>
+            </a:r>
+          </a:p>
+        </p:txBody>
+      </p:sp>
+      <p:sp>
+        <p:nvSpPr>
+          <p:cNvPr id="250" name="자유형: 도형 249">
+            <a:extLst>
+              <a:ext uri="{FF2B5EF4-FFF2-40B4-BE49-F238E27FC236}">
+                <a16:creationId xmlns:a16="http://schemas.microsoft.com/office/drawing/2014/main" id="{E4C91FB1-E1EE-4A72-9F3A-DA549DF59BC7}"/>
+              </a:ext>
+            </a:extLst>
+          </p:cNvPr>
+          <p:cNvSpPr/>
+          <p:nvPr/>
+        </p:nvSpPr>
+        <p:spPr>
+          <a:xfrm>
+            <a:off x="441606" y="3389947"/>
+            <a:ext cx="622300" cy="0"/>
+          </a:xfrm>
+          <a:custGeom>
+            <a:avLst/>
+            <a:gdLst>
+              <a:gd name="connsiteX0" fmla="*/ 622300 w 622300"/>
+              <a:gd name="connsiteY0" fmla="*/ 0 h 0"/>
+              <a:gd name="connsiteX1" fmla="*/ 0 w 622300"/>
+              <a:gd name="connsiteY1" fmla="*/ 0 h 0"/>
+            </a:gdLst>
+            <a:ahLst/>
+            <a:cxnLst>
+              <a:cxn ang="0">
+                <a:pos x="connsiteX0" y="connsiteY0"/>
+              </a:cxn>
+              <a:cxn ang="0">
+                <a:pos x="connsiteX1" y="connsiteY1"/>
+              </a:cxn>
+            </a:cxnLst>
+            <a:rect l="l" t="t" r="r" b="b"/>
+            <a:pathLst>
+              <a:path w="622300">
+                <a:moveTo>
+                  <a:pt x="622300" y="0"/>
+                </a:moveTo>
+                <a:lnTo>
+                  <a:pt x="0" y="0"/>
+                </a:lnTo>
+              </a:path>
+            </a:pathLst>
+          </a:custGeom>
+          <a:ln w="19050" cap="rnd">
+            <a:solidFill>
+              <a:schemeClr val="tx1"/>
+            </a:solidFill>
+            <a:round/>
+            <a:headEnd type="oval"/>
+            <a:tailEnd type="oval"/>
+          </a:ln>
+        </p:spPr>
+        <p:style>
+          <a:lnRef idx="1">
+            <a:schemeClr val="accent1"/>
+          </a:lnRef>
+          <a:fillRef idx="0">
+            <a:schemeClr val="accent1"/>
+          </a:fillRef>
+          <a:effectRef idx="0">
+            <a:schemeClr val="accent1"/>
+          </a:effectRef>
+          <a:fontRef idx="minor">
+            <a:schemeClr val="tx1"/>
+          </a:fontRef>
+        </p:style>
+        <p:txBody>
+          <a:bodyPr rtlCol="0" anchor="ctr"/>
+          <a:lstStyle/>
+          <a:p>
+            <a:pPr algn="ctr"/>
+            <a:endParaRPr lang="ko-KR" altLang="en-US">
+              <a:solidFill>
+                <a:schemeClr val="tx1"/>
+              </a:solidFill>
+              <a:latin typeface="나눔스퀘어" panose="020B0600000101010101" pitchFamily="50" charset="-127"/>
+              <a:ea typeface="나눔스퀘어" panose="020B0600000101010101" pitchFamily="50" charset="-127"/>
+            </a:endParaRPr>
+          </a:p>
+        </p:txBody>
+      </p:sp>
+      <p:sp>
+        <p:nvSpPr>
+          <p:cNvPr id="203" name="직사각형 202">
+            <a:extLst>
+              <a:ext uri="{FF2B5EF4-FFF2-40B4-BE49-F238E27FC236}">
+                <a16:creationId xmlns:a16="http://schemas.microsoft.com/office/drawing/2014/main" id="{25390518-5901-4017-82A1-7A02CB2650E6}"/>
+              </a:ext>
+            </a:extLst>
+          </p:cNvPr>
+          <p:cNvSpPr/>
+          <p:nvPr/>
+        </p:nvSpPr>
+        <p:spPr>
+          <a:xfrm>
+            <a:off x="1994597" y="717001"/>
+            <a:ext cx="1980000" cy="720000"/>
+          </a:xfrm>
+          <a:prstGeom prst="rect">
+            <a:avLst/>
+          </a:prstGeom>
+          <a:ln w="38100">
+            <a:solidFill>
+              <a:schemeClr val="accent1"/>
+            </a:solidFill>
+          </a:ln>
+        </p:spPr>
+        <p:style>
+          <a:lnRef idx="1">
+            <a:schemeClr val="accent1"/>
+          </a:lnRef>
+          <a:fillRef idx="0">
+            <a:schemeClr val="accent1"/>
+          </a:fillRef>
+          <a:effectRef idx="0">
+            <a:schemeClr val="accent1"/>
+          </a:effectRef>
+          <a:fontRef idx="minor">
+            <a:schemeClr val="tx1"/>
+          </a:fontRef>
+        </p:style>
+        <p:txBody>
+          <a:bodyPr rtlCol="0" anchor="ctr"/>
+          <a:lstStyle/>
+          <a:p>
+            <a:pPr algn="ctr"/>
+            <a:r>
+              <a:rPr lang="en-US" altLang="ko-KR" dirty="0">
+                <a:solidFill>
+                  <a:schemeClr val="tx1"/>
+                </a:solidFill>
+                <a:latin typeface="나눔스퀘어" panose="020B0600000101010101" pitchFamily="50" charset="-127"/>
+                <a:ea typeface="나눔스퀘어" panose="020B0600000101010101" pitchFamily="50" charset="-127"/>
+              </a:rPr>
+              <a:t>Graphics Thread</a:t>
+            </a:r>
+            <a:br>
+              <a:rPr lang="en-US" altLang="ko-KR" dirty="0">
+                <a:solidFill>
+                  <a:schemeClr val="tx1"/>
+                </a:solidFill>
+                <a:latin typeface="나눔스퀘어" panose="020B0600000101010101" pitchFamily="50" charset="-127"/>
+                <a:ea typeface="나눔스퀘어" panose="020B0600000101010101" pitchFamily="50" charset="-127"/>
+              </a:rPr>
+            </a:br>
+            <a:r>
+              <a:rPr lang="en-US" altLang="ko-KR" dirty="0">
+                <a:solidFill>
+                  <a:schemeClr val="tx1"/>
+                </a:solidFill>
+                <a:latin typeface="나눔스퀘어" panose="020B0600000101010101" pitchFamily="50" charset="-127"/>
+                <a:ea typeface="나눔스퀘어" panose="020B0600000101010101" pitchFamily="50" charset="-127"/>
+              </a:rPr>
+              <a:t>(main thread)</a:t>
+            </a:r>
+            <a:endParaRPr lang="ko-KR" altLang="en-US" dirty="0">
+              <a:solidFill>
+                <a:schemeClr val="tx1"/>
+              </a:solidFill>
+              <a:latin typeface="나눔스퀘어" panose="020B0600000101010101" pitchFamily="50" charset="-127"/>
+              <a:ea typeface="나눔스퀘어" panose="020B0600000101010101" pitchFamily="50" charset="-127"/>
+            </a:endParaRPr>
+          </a:p>
+        </p:txBody>
+      </p:sp>
+      <p:sp>
+        <p:nvSpPr>
+          <p:cNvPr id="225" name="직사각형 224">
+            <a:extLst>
+              <a:ext uri="{FF2B5EF4-FFF2-40B4-BE49-F238E27FC236}">
+                <a16:creationId xmlns:a16="http://schemas.microsoft.com/office/drawing/2014/main" id="{CDE7BEC3-2F07-43C7-9062-2F2C9E5B2B24}"/>
+              </a:ext>
+            </a:extLst>
+          </p:cNvPr>
+          <p:cNvSpPr/>
+          <p:nvPr/>
+        </p:nvSpPr>
+        <p:spPr>
+          <a:xfrm>
+            <a:off x="-2939533" y="-914081"/>
+            <a:ext cx="1937278" cy="716926"/>
+          </a:xfrm>
+          <a:prstGeom prst="rect">
+            <a:avLst/>
+          </a:prstGeom>
+          <a:ln w="19050">
+            <a:solidFill>
+              <a:schemeClr val="tx1"/>
+            </a:solidFill>
+          </a:ln>
+        </p:spPr>
+        <p:style>
+          <a:lnRef idx="1">
+            <a:schemeClr val="accent1"/>
+          </a:lnRef>
+          <a:fillRef idx="0">
+            <a:schemeClr val="accent1"/>
+          </a:fillRef>
+          <a:effectRef idx="0">
+            <a:schemeClr val="accent1"/>
+          </a:effectRef>
+          <a:fontRef idx="minor">
+            <a:schemeClr val="tx1"/>
+          </a:fontRef>
+        </p:style>
+        <p:txBody>
+          <a:bodyPr rtlCol="0" anchor="ctr"/>
+          <a:lstStyle/>
+          <a:p>
+            <a:pPr algn="ctr"/>
+            <a:r>
+              <a:rPr lang="en-US" altLang="ko-KR" dirty="0">
+                <a:latin typeface="나눔스퀘어" panose="020B0600000101010101" pitchFamily="50" charset="-127"/>
+                <a:ea typeface="나눔스퀘어" panose="020B0600000101010101" pitchFamily="50" charset="-127"/>
+              </a:rPr>
+              <a:t>Camera</a:t>
+            </a:r>
+            <a:br>
+              <a:rPr lang="en-US" altLang="ko-KR" dirty="0">
+                <a:latin typeface="나눔스퀘어" panose="020B0600000101010101" pitchFamily="50" charset="-127"/>
+                <a:ea typeface="나눔스퀘어" panose="020B0600000101010101" pitchFamily="50" charset="-127"/>
+              </a:rPr>
+            </a:br>
+            <a:r>
+              <a:rPr lang="en-US" altLang="ko-KR" dirty="0">
+                <a:latin typeface="나눔스퀘어" panose="020B0600000101010101" pitchFamily="50" charset="-127"/>
+                <a:ea typeface="나눔스퀘어" panose="020B0600000101010101" pitchFamily="50" charset="-127"/>
+              </a:rPr>
+              <a:t>(</a:t>
+            </a:r>
+            <a:r>
+              <a:rPr lang="en-US" altLang="ko-KR">
+                <a:latin typeface="나눔스퀘어" panose="020B0600000101010101" pitchFamily="50" charset="-127"/>
+                <a:ea typeface="나눔스퀘어" panose="020B0600000101010101" pitchFamily="50" charset="-127"/>
+              </a:rPr>
+              <a:t>2D </a:t>
+            </a:r>
+            <a:r>
+              <a:rPr lang="en-US" altLang="ko-KR" dirty="0">
+                <a:latin typeface="나눔스퀘어" panose="020B0600000101010101" pitchFamily="50" charset="-127"/>
+                <a:ea typeface="나눔스퀘어" panose="020B0600000101010101" pitchFamily="50" charset="-127"/>
+              </a:rPr>
+              <a:t>image)</a:t>
+            </a:r>
+            <a:endParaRPr lang="ko-KR" altLang="en-US" dirty="0">
+              <a:latin typeface="나눔스퀘어" panose="020B0600000101010101" pitchFamily="50" charset="-127"/>
+              <a:ea typeface="나눔스퀘어" panose="020B0600000101010101" pitchFamily="50" charset="-127"/>
+            </a:endParaRPr>
+          </a:p>
+        </p:txBody>
+      </p:sp>
+      <p:sp>
+        <p:nvSpPr>
+          <p:cNvPr id="226" name="직사각형 225">
+            <a:extLst>
+              <a:ext uri="{FF2B5EF4-FFF2-40B4-BE49-F238E27FC236}">
+                <a16:creationId xmlns:a16="http://schemas.microsoft.com/office/drawing/2014/main" id="{F5EB88FB-8523-43AA-BA6D-1CF1B9F3D4E2}"/>
+              </a:ext>
+            </a:extLst>
+          </p:cNvPr>
+          <p:cNvSpPr/>
+          <p:nvPr/>
+        </p:nvSpPr>
+        <p:spPr>
+          <a:xfrm>
+            <a:off x="-2939534" y="130306"/>
+            <a:ext cx="1937279" cy="876753"/>
+          </a:xfrm>
+          <a:prstGeom prst="rect">
+            <a:avLst/>
+          </a:prstGeom>
+          <a:ln w="19050">
+            <a:solidFill>
+              <a:schemeClr val="tx1"/>
+            </a:solidFill>
+          </a:ln>
+        </p:spPr>
+        <p:style>
+          <a:lnRef idx="1">
+            <a:schemeClr val="accent1"/>
+          </a:lnRef>
+          <a:fillRef idx="0">
+            <a:schemeClr val="accent1"/>
+          </a:fillRef>
+          <a:effectRef idx="0">
+            <a:schemeClr val="accent1"/>
+          </a:effectRef>
+          <a:fontRef idx="minor">
+            <a:schemeClr val="tx1"/>
+          </a:fontRef>
+        </p:style>
+        <p:txBody>
+          <a:bodyPr rtlCol="0" anchor="ctr"/>
+          <a:lstStyle/>
+          <a:p>
+            <a:pPr algn="ctr"/>
+            <a:r>
+              <a:rPr lang="en-US" altLang="ko-KR" dirty="0">
+                <a:latin typeface="나눔스퀘어" panose="020B0600000101010101" pitchFamily="50" charset="-127"/>
+                <a:ea typeface="나눔스퀘어" panose="020B0600000101010101" pitchFamily="50" charset="-127"/>
+              </a:rPr>
+              <a:t>Device</a:t>
+            </a:r>
+          </a:p>
+          <a:p>
+            <a:pPr algn="ctr"/>
+            <a:r>
+              <a:rPr lang="en-US" altLang="ko-KR" dirty="0">
+                <a:latin typeface="나눔스퀘어" panose="020B0600000101010101" pitchFamily="50" charset="-127"/>
+                <a:ea typeface="나눔스퀘어" panose="020B0600000101010101" pitchFamily="50" charset="-127"/>
+              </a:rPr>
+              <a:t>Debug Mode</a:t>
+            </a:r>
+          </a:p>
+          <a:p>
+            <a:pPr algn="ctr"/>
+            <a:r>
+              <a:rPr lang="en-US" altLang="ko-KR" dirty="0">
+                <a:latin typeface="나눔스퀘어" panose="020B0600000101010101" pitchFamily="50" charset="-127"/>
+                <a:ea typeface="나눔스퀘어" panose="020B0600000101010101" pitchFamily="50" charset="-127"/>
+              </a:rPr>
+              <a:t>(</a:t>
+            </a:r>
+            <a:r>
+              <a:rPr lang="en-US" altLang="ko-KR">
+                <a:latin typeface="나눔스퀘어" panose="020B0600000101010101" pitchFamily="50" charset="-127"/>
+                <a:ea typeface="나눔스퀘어" panose="020B0600000101010101" pitchFamily="50" charset="-127"/>
+              </a:rPr>
+              <a:t>3D pointcloud</a:t>
+            </a:r>
+            <a:r>
+              <a:rPr lang="en-US" altLang="ko-KR" dirty="0">
+                <a:latin typeface="나눔스퀘어" panose="020B0600000101010101" pitchFamily="50" charset="-127"/>
+                <a:ea typeface="나눔스퀘어" panose="020B0600000101010101" pitchFamily="50" charset="-127"/>
+              </a:rPr>
+              <a:t>)</a:t>
+            </a:r>
+            <a:endParaRPr lang="ko-KR" altLang="en-US" dirty="0">
+              <a:latin typeface="나눔스퀘어" panose="020B0600000101010101" pitchFamily="50" charset="-127"/>
+              <a:ea typeface="나눔스퀘어" panose="020B0600000101010101" pitchFamily="50" charset="-127"/>
+            </a:endParaRPr>
+          </a:p>
+        </p:txBody>
+      </p:sp>
+      <p:sp>
+        <p:nvSpPr>
+          <p:cNvPr id="227" name="직사각형 226">
+            <a:extLst>
+              <a:ext uri="{FF2B5EF4-FFF2-40B4-BE49-F238E27FC236}">
+                <a16:creationId xmlns:a16="http://schemas.microsoft.com/office/drawing/2014/main" id="{E8716613-1CDD-4277-B675-EF3BA00B3A32}"/>
+              </a:ext>
+            </a:extLst>
+          </p:cNvPr>
+          <p:cNvSpPr/>
+          <p:nvPr/>
+        </p:nvSpPr>
+        <p:spPr>
+          <a:xfrm>
+            <a:off x="-2939533" y="1334520"/>
+            <a:ext cx="1929467" cy="716926"/>
+          </a:xfrm>
+          <a:prstGeom prst="rect">
+            <a:avLst/>
+          </a:prstGeom>
+          <a:ln w="19050">
+            <a:solidFill>
+              <a:schemeClr val="tx1"/>
+            </a:solidFill>
+          </a:ln>
+        </p:spPr>
+        <p:style>
+          <a:lnRef idx="1">
+            <a:schemeClr val="accent1"/>
+          </a:lnRef>
+          <a:fillRef idx="0">
+            <a:schemeClr val="accent1"/>
+          </a:fillRef>
+          <a:effectRef idx="0">
+            <a:schemeClr val="accent1"/>
+          </a:effectRef>
+          <a:fontRef idx="minor">
+            <a:schemeClr val="tx1"/>
+          </a:fontRef>
+        </p:style>
+        <p:txBody>
+          <a:bodyPr rtlCol="0" anchor="ctr"/>
+          <a:lstStyle/>
+          <a:p>
+            <a:pPr algn="ctr"/>
+            <a:r>
+              <a:rPr lang="en-US" altLang="ko-KR" dirty="0">
+                <a:solidFill>
+                  <a:schemeClr val="tx1"/>
+                </a:solidFill>
+                <a:latin typeface="나눔스퀘어" panose="020B0600000101010101" pitchFamily="50" charset="-127"/>
+                <a:ea typeface="나눔스퀘어" panose="020B0600000101010101" pitchFamily="50" charset="-127"/>
+              </a:rPr>
+              <a:t>Simulation</a:t>
+            </a:r>
+          </a:p>
+          <a:p>
+            <a:pPr algn="ctr"/>
+            <a:r>
+              <a:rPr lang="en-US" altLang="ko-KR" dirty="0">
+                <a:solidFill>
+                  <a:schemeClr val="tx1"/>
+                </a:solidFill>
+                <a:latin typeface="나눔스퀘어" panose="020B0600000101010101" pitchFamily="50" charset="-127"/>
+                <a:ea typeface="나눔스퀘어" panose="020B0600000101010101" pitchFamily="50" charset="-127"/>
+              </a:rPr>
+              <a:t>rendering</a:t>
+            </a:r>
+            <a:endParaRPr lang="ko-KR" altLang="en-US" dirty="0">
+              <a:solidFill>
+                <a:schemeClr val="tx1"/>
+              </a:solidFill>
+              <a:latin typeface="나눔스퀘어" panose="020B0600000101010101" pitchFamily="50" charset="-127"/>
+              <a:ea typeface="나눔스퀘어" panose="020B0600000101010101" pitchFamily="50" charset="-127"/>
+            </a:endParaRPr>
+          </a:p>
+        </p:txBody>
+      </p:sp>
+      <p:sp>
+        <p:nvSpPr>
+          <p:cNvPr id="229" name="자유형: 도형 228">
+            <a:extLst>
+              <a:ext uri="{FF2B5EF4-FFF2-40B4-BE49-F238E27FC236}">
+                <a16:creationId xmlns:a16="http://schemas.microsoft.com/office/drawing/2014/main" id="{F6D0DD32-1A2F-4C8E-B952-350315A72CCA}"/>
+              </a:ext>
+            </a:extLst>
+          </p:cNvPr>
+          <p:cNvSpPr/>
+          <p:nvPr/>
+        </p:nvSpPr>
+        <p:spPr>
+          <a:xfrm flipH="1" flipV="1">
+            <a:off x="-1021939" y="1255337"/>
+            <a:ext cx="2198557" cy="446463"/>
+          </a:xfrm>
+          <a:custGeom>
+            <a:avLst/>
+            <a:gdLst>
+              <a:gd name="connsiteX0" fmla="*/ 933450 w 933450"/>
+              <a:gd name="connsiteY0" fmla="*/ 0 h 381000"/>
+              <a:gd name="connsiteX1" fmla="*/ 0 w 933450"/>
+              <a:gd name="connsiteY1" fmla="*/ 0 h 381000"/>
+              <a:gd name="connsiteX2" fmla="*/ 0 w 933450"/>
+              <a:gd name="connsiteY2" fmla="*/ 381000 h 381000"/>
+            </a:gdLst>
+            <a:ahLst/>
+            <a:cxnLst>
+              <a:cxn ang="0">
+                <a:pos x="connsiteX0" y="connsiteY0"/>
+              </a:cxn>
+              <a:cxn ang="0">
+                <a:pos x="connsiteX1" y="connsiteY1"/>
+              </a:cxn>
+              <a:cxn ang="0">
+                <a:pos x="connsiteX2" y="connsiteY2"/>
+              </a:cxn>
+            </a:cxnLst>
+            <a:rect l="l" t="t" r="r" b="b"/>
+            <a:pathLst>
+              <a:path w="933450" h="381000">
+                <a:moveTo>
+                  <a:pt x="933450" y="0"/>
+                </a:moveTo>
+                <a:lnTo>
+                  <a:pt x="0" y="0"/>
+                </a:lnTo>
+                <a:lnTo>
+                  <a:pt x="0" y="381000"/>
+                </a:lnTo>
+              </a:path>
+            </a:pathLst>
+          </a:custGeom>
+          <a:ln w="19050" cap="rnd">
+            <a:solidFill>
+              <a:schemeClr val="tx1"/>
+            </a:solidFill>
+            <a:round/>
+            <a:tailEnd type="oval"/>
+          </a:ln>
+        </p:spPr>
+        <p:style>
+          <a:lnRef idx="1">
+            <a:schemeClr val="accent1"/>
+          </a:lnRef>
+          <a:fillRef idx="0">
+            <a:schemeClr val="accent1"/>
+          </a:fillRef>
+          <a:effectRef idx="0">
+            <a:schemeClr val="accent1"/>
+          </a:effectRef>
+          <a:fontRef idx="minor">
+            <a:schemeClr val="tx1"/>
+          </a:fontRef>
+        </p:style>
+        <p:txBody>
+          <a:bodyPr rtlCol="0" anchor="ctr"/>
+          <a:lstStyle/>
+          <a:p>
+            <a:pPr algn="ctr"/>
+            <a:endParaRPr lang="ko-KR" altLang="en-US">
+              <a:solidFill>
+                <a:schemeClr val="tx1"/>
+              </a:solidFill>
+              <a:latin typeface="나눔스퀘어" panose="020B0600000101010101" pitchFamily="50" charset="-127"/>
+              <a:ea typeface="나눔스퀘어" panose="020B0600000101010101" pitchFamily="50" charset="-127"/>
+            </a:endParaRPr>
+          </a:p>
+        </p:txBody>
+      </p:sp>
+      <p:sp>
+        <p:nvSpPr>
+          <p:cNvPr id="230" name="자유형: 도형 229">
+            <a:extLst>
+              <a:ext uri="{FF2B5EF4-FFF2-40B4-BE49-F238E27FC236}">
+                <a16:creationId xmlns:a16="http://schemas.microsoft.com/office/drawing/2014/main" id="{7E8E9616-2A5F-490A-9EF7-548894590F92}"/>
+              </a:ext>
+            </a:extLst>
+          </p:cNvPr>
+          <p:cNvSpPr/>
+          <p:nvPr/>
+        </p:nvSpPr>
+        <p:spPr>
+          <a:xfrm flipH="1">
+            <a:off x="1176620" y="883862"/>
+            <a:ext cx="801056" cy="200025"/>
+          </a:xfrm>
+          <a:custGeom>
+            <a:avLst/>
+            <a:gdLst>
+              <a:gd name="connsiteX0" fmla="*/ 0 w 904875"/>
+              <a:gd name="connsiteY0" fmla="*/ 152400 h 152400"/>
+              <a:gd name="connsiteX1" fmla="*/ 647700 w 904875"/>
+              <a:gd name="connsiteY1" fmla="*/ 152400 h 152400"/>
+              <a:gd name="connsiteX2" fmla="*/ 904875 w 904875"/>
+              <a:gd name="connsiteY2" fmla="*/ 0 h 152400"/>
+            </a:gdLst>
+            <a:ahLst/>
+            <a:cxnLst>
+              <a:cxn ang="0">
+                <a:pos x="connsiteX0" y="connsiteY0"/>
+              </a:cxn>
+              <a:cxn ang="0">
+                <a:pos x="connsiteX1" y="connsiteY1"/>
+              </a:cxn>
+              <a:cxn ang="0">
+                <a:pos x="connsiteX2" y="connsiteY2"/>
+              </a:cxn>
+            </a:cxnLst>
+            <a:rect l="l" t="t" r="r" b="b"/>
+            <a:pathLst>
+              <a:path w="904875" h="152400">
+                <a:moveTo>
+                  <a:pt x="0" y="152400"/>
+                </a:moveTo>
+                <a:lnTo>
+                  <a:pt x="647700" y="152400"/>
+                </a:lnTo>
+                <a:lnTo>
+                  <a:pt x="904875" y="0"/>
+                </a:lnTo>
+              </a:path>
+            </a:pathLst>
+          </a:custGeom>
+          <a:ln w="19050" cap="rnd">
+            <a:solidFill>
+              <a:schemeClr val="tx1"/>
+            </a:solidFill>
+            <a:round/>
+          </a:ln>
+        </p:spPr>
+        <p:style>
+          <a:lnRef idx="1">
+            <a:schemeClr val="accent1"/>
+          </a:lnRef>
+          <a:fillRef idx="0">
+            <a:schemeClr val="accent1"/>
+          </a:fillRef>
+          <a:effectRef idx="0">
+            <a:schemeClr val="accent1"/>
+          </a:effectRef>
+          <a:fontRef idx="minor">
+            <a:schemeClr val="tx1"/>
+          </a:fontRef>
+        </p:style>
+        <p:txBody>
+          <a:bodyPr rtlCol="0" anchor="ctr"/>
+          <a:lstStyle/>
+          <a:p>
+            <a:pPr algn="ctr"/>
+            <a:endParaRPr lang="ko-KR" altLang="en-US">
+              <a:solidFill>
+                <a:schemeClr val="tx1"/>
+              </a:solidFill>
+              <a:latin typeface="나눔스퀘어" panose="020B0600000101010101" pitchFamily="50" charset="-127"/>
+              <a:ea typeface="나눔스퀘어" panose="020B0600000101010101" pitchFamily="50" charset="-127"/>
+            </a:endParaRPr>
+          </a:p>
+        </p:txBody>
+      </p:sp>
+      <p:sp>
+        <p:nvSpPr>
+          <p:cNvPr id="231" name="타원 230">
+            <a:extLst>
+              <a:ext uri="{FF2B5EF4-FFF2-40B4-BE49-F238E27FC236}">
+                <a16:creationId xmlns:a16="http://schemas.microsoft.com/office/drawing/2014/main" id="{49CB6922-F4C8-4797-A11A-482961A1DCFB}"/>
+              </a:ext>
+            </a:extLst>
+          </p:cNvPr>
+          <p:cNvSpPr/>
+          <p:nvPr/>
+        </p:nvSpPr>
+        <p:spPr>
+          <a:xfrm flipH="1">
+            <a:off x="818157" y="718538"/>
+            <a:ext cx="716926" cy="716926"/>
+          </a:xfrm>
+          <a:prstGeom prst="ellipse">
+            <a:avLst/>
+          </a:prstGeom>
+          <a:ln w="19050" cap="rnd">
+            <a:solidFill>
+              <a:schemeClr val="tx1"/>
+            </a:solidFill>
+            <a:round/>
+          </a:ln>
+        </p:spPr>
+        <p:style>
+          <a:lnRef idx="1">
+            <a:schemeClr val="accent1"/>
+          </a:lnRef>
+          <a:fillRef idx="0">
+            <a:schemeClr val="accent1"/>
+          </a:fillRef>
+          <a:effectRef idx="0">
+            <a:schemeClr val="accent1"/>
+          </a:effectRef>
+          <a:fontRef idx="minor">
+            <a:schemeClr val="tx1"/>
+          </a:fontRef>
+        </p:style>
+        <p:txBody>
+          <a:bodyPr rtlCol="0" anchor="ctr"/>
+          <a:lstStyle/>
+          <a:p>
+            <a:pPr algn="ctr"/>
+            <a:endParaRPr lang="ko-KR" altLang="en-US">
+              <a:solidFill>
+                <a:schemeClr val="tx1"/>
+              </a:solidFill>
+              <a:latin typeface="나눔스퀘어" panose="020B0600000101010101" pitchFamily="50" charset="-127"/>
+              <a:ea typeface="나눔스퀘어" panose="020B0600000101010101" pitchFamily="50" charset="-127"/>
+            </a:endParaRPr>
+          </a:p>
+        </p:txBody>
+      </p:sp>
+      <p:sp>
+        <p:nvSpPr>
+          <p:cNvPr id="236" name="자유형: 도형 235">
+            <a:extLst>
+              <a:ext uri="{FF2B5EF4-FFF2-40B4-BE49-F238E27FC236}">
+                <a16:creationId xmlns:a16="http://schemas.microsoft.com/office/drawing/2014/main" id="{D03CBAD0-2508-4571-8B70-E2A07F0860B7}"/>
+              </a:ext>
+            </a:extLst>
+          </p:cNvPr>
+          <p:cNvSpPr/>
+          <p:nvPr/>
+        </p:nvSpPr>
+        <p:spPr>
+          <a:xfrm flipH="1">
+            <a:off x="-990251" y="-551602"/>
+            <a:ext cx="505478" cy="378814"/>
+          </a:xfrm>
+          <a:custGeom>
+            <a:avLst/>
+            <a:gdLst>
+              <a:gd name="connsiteX0" fmla="*/ 933450 w 933450"/>
+              <a:gd name="connsiteY0" fmla="*/ 0 h 381000"/>
+              <a:gd name="connsiteX1" fmla="*/ 0 w 933450"/>
+              <a:gd name="connsiteY1" fmla="*/ 0 h 381000"/>
+              <a:gd name="connsiteX2" fmla="*/ 0 w 933450"/>
+              <a:gd name="connsiteY2" fmla="*/ 381000 h 381000"/>
+            </a:gdLst>
+            <a:ahLst/>
+            <a:cxnLst>
+              <a:cxn ang="0">
+                <a:pos x="connsiteX0" y="connsiteY0"/>
+              </a:cxn>
+              <a:cxn ang="0">
+                <a:pos x="connsiteX1" y="connsiteY1"/>
+              </a:cxn>
+              <a:cxn ang="0">
+                <a:pos x="connsiteX2" y="connsiteY2"/>
+              </a:cxn>
+            </a:cxnLst>
+            <a:rect l="l" t="t" r="r" b="b"/>
+            <a:pathLst>
+              <a:path w="933450" h="381000">
+                <a:moveTo>
+                  <a:pt x="933450" y="0"/>
+                </a:moveTo>
+                <a:lnTo>
+                  <a:pt x="0" y="0"/>
+                </a:lnTo>
+                <a:lnTo>
+                  <a:pt x="0" y="381000"/>
+                </a:lnTo>
+              </a:path>
+            </a:pathLst>
+          </a:custGeom>
+          <a:ln w="19050" cap="rnd">
+            <a:solidFill>
+              <a:schemeClr val="tx1"/>
+            </a:solidFill>
+            <a:round/>
+            <a:tailEnd type="oval"/>
+          </a:ln>
+        </p:spPr>
+        <p:style>
+          <a:lnRef idx="1">
+            <a:schemeClr val="accent1"/>
+          </a:lnRef>
+          <a:fillRef idx="0">
+            <a:schemeClr val="accent1"/>
+          </a:fillRef>
+          <a:effectRef idx="0">
+            <a:schemeClr val="accent1"/>
+          </a:effectRef>
+          <a:fontRef idx="minor">
+            <a:schemeClr val="tx1"/>
+          </a:fontRef>
+        </p:style>
+        <p:txBody>
+          <a:bodyPr rtlCol="0" anchor="ctr"/>
+          <a:lstStyle/>
+          <a:p>
+            <a:pPr algn="ctr"/>
+            <a:endParaRPr lang="ko-KR" altLang="en-US">
+              <a:solidFill>
+                <a:schemeClr val="tx1"/>
+              </a:solidFill>
+              <a:latin typeface="나눔스퀘어" panose="020B0600000101010101" pitchFamily="50" charset="-127"/>
+              <a:ea typeface="나눔스퀘어" panose="020B0600000101010101" pitchFamily="50" charset="-127"/>
+            </a:endParaRPr>
+          </a:p>
+        </p:txBody>
+      </p:sp>
+      <p:sp>
+        <p:nvSpPr>
+          <p:cNvPr id="237" name="자유형: 도형 236">
+            <a:extLst>
+              <a:ext uri="{FF2B5EF4-FFF2-40B4-BE49-F238E27FC236}">
+                <a16:creationId xmlns:a16="http://schemas.microsoft.com/office/drawing/2014/main" id="{2377F0AB-A351-439B-A3FA-388CB4DB82D0}"/>
+              </a:ext>
+            </a:extLst>
+          </p:cNvPr>
+          <p:cNvSpPr/>
+          <p:nvPr/>
+        </p:nvSpPr>
+        <p:spPr>
+          <a:xfrm flipH="1" flipV="1">
+            <a:off x="-1002255" y="269679"/>
+            <a:ext cx="517484" cy="318620"/>
+          </a:xfrm>
+          <a:custGeom>
+            <a:avLst/>
+            <a:gdLst>
+              <a:gd name="connsiteX0" fmla="*/ 933450 w 933450"/>
+              <a:gd name="connsiteY0" fmla="*/ 0 h 381000"/>
+              <a:gd name="connsiteX1" fmla="*/ 0 w 933450"/>
+              <a:gd name="connsiteY1" fmla="*/ 0 h 381000"/>
+              <a:gd name="connsiteX2" fmla="*/ 0 w 933450"/>
+              <a:gd name="connsiteY2" fmla="*/ 381000 h 381000"/>
+            </a:gdLst>
+            <a:ahLst/>
+            <a:cxnLst>
+              <a:cxn ang="0">
+                <a:pos x="connsiteX0" y="connsiteY0"/>
+              </a:cxn>
+              <a:cxn ang="0">
+                <a:pos x="connsiteX1" y="connsiteY1"/>
+              </a:cxn>
+              <a:cxn ang="0">
+                <a:pos x="connsiteX2" y="connsiteY2"/>
+              </a:cxn>
+            </a:cxnLst>
+            <a:rect l="l" t="t" r="r" b="b"/>
+            <a:pathLst>
+              <a:path w="933450" h="381000">
+                <a:moveTo>
+                  <a:pt x="933450" y="0"/>
+                </a:moveTo>
+                <a:lnTo>
+                  <a:pt x="0" y="0"/>
+                </a:lnTo>
+                <a:lnTo>
+                  <a:pt x="0" y="381000"/>
+                </a:lnTo>
+              </a:path>
+            </a:pathLst>
+          </a:custGeom>
+          <a:ln w="19050" cap="rnd">
+            <a:solidFill>
+              <a:schemeClr val="tx1"/>
+            </a:solidFill>
+            <a:round/>
+            <a:tailEnd type="oval"/>
+          </a:ln>
+        </p:spPr>
+        <p:style>
+          <a:lnRef idx="1">
+            <a:schemeClr val="accent1"/>
+          </a:lnRef>
+          <a:fillRef idx="0">
+            <a:schemeClr val="accent1"/>
+          </a:fillRef>
+          <a:effectRef idx="0">
+            <a:schemeClr val="accent1"/>
+          </a:effectRef>
+          <a:fontRef idx="minor">
+            <a:schemeClr val="tx1"/>
+          </a:fontRef>
+        </p:style>
+        <p:txBody>
+          <a:bodyPr rtlCol="0" anchor="ctr"/>
+          <a:lstStyle/>
+          <a:p>
+            <a:pPr algn="ctr"/>
+            <a:endParaRPr lang="ko-KR" altLang="en-US" dirty="0">
+              <a:solidFill>
+                <a:schemeClr val="tx1"/>
+              </a:solidFill>
+              <a:latin typeface="나눔스퀘어" panose="020B0600000101010101" pitchFamily="50" charset="-127"/>
+              <a:ea typeface="나눔스퀘어" panose="020B0600000101010101" pitchFamily="50" charset="-127"/>
+            </a:endParaRPr>
+          </a:p>
+        </p:txBody>
+      </p:sp>
+      <p:sp>
+        <p:nvSpPr>
+          <p:cNvPr id="239" name="타원 238">
+            <a:extLst>
+              <a:ext uri="{FF2B5EF4-FFF2-40B4-BE49-F238E27FC236}">
+                <a16:creationId xmlns:a16="http://schemas.microsoft.com/office/drawing/2014/main" id="{D95CB76C-EFA6-4C07-B9F6-3E9FA78D2384}"/>
+              </a:ext>
+            </a:extLst>
+          </p:cNvPr>
+          <p:cNvSpPr/>
+          <p:nvPr/>
+        </p:nvSpPr>
+        <p:spPr>
+          <a:xfrm flipH="1">
+            <a:off x="-852565" y="-317469"/>
+            <a:ext cx="716926" cy="716926"/>
+          </a:xfrm>
+          <a:prstGeom prst="ellipse">
+            <a:avLst/>
+          </a:prstGeom>
+          <a:ln w="19050" cap="rnd">
+            <a:solidFill>
+              <a:schemeClr val="tx1"/>
+            </a:solidFill>
+            <a:round/>
+          </a:ln>
+        </p:spPr>
+        <p:style>
+          <a:lnRef idx="1">
+            <a:schemeClr val="accent1"/>
+          </a:lnRef>
+          <a:fillRef idx="0">
+            <a:schemeClr val="accent1"/>
+          </a:fillRef>
+          <a:effectRef idx="0">
+            <a:schemeClr val="accent1"/>
+          </a:effectRef>
+          <a:fontRef idx="minor">
+            <a:schemeClr val="tx1"/>
+          </a:fontRef>
+        </p:style>
+        <p:txBody>
+          <a:bodyPr rtlCol="0" anchor="ctr"/>
+          <a:lstStyle/>
+          <a:p>
+            <a:pPr algn="ctr"/>
+            <a:endParaRPr lang="ko-KR" altLang="en-US">
+              <a:solidFill>
+                <a:schemeClr val="tx1"/>
+              </a:solidFill>
+              <a:latin typeface="나눔스퀘어" panose="020B0600000101010101" pitchFamily="50" charset="-127"/>
+              <a:ea typeface="나눔스퀘어" panose="020B0600000101010101" pitchFamily="50" charset="-127"/>
+            </a:endParaRPr>
+          </a:p>
+        </p:txBody>
+      </p:sp>
+      <p:sp>
+        <p:nvSpPr>
+          <p:cNvPr id="240" name="자유형: 도형 239">
+            <a:extLst>
+              <a:ext uri="{FF2B5EF4-FFF2-40B4-BE49-F238E27FC236}">
+                <a16:creationId xmlns:a16="http://schemas.microsoft.com/office/drawing/2014/main" id="{460D5427-B763-4F92-A1DA-B6023D4ECF6D}"/>
+              </a:ext>
+            </a:extLst>
+          </p:cNvPr>
+          <p:cNvSpPr/>
+          <p:nvPr/>
+        </p:nvSpPr>
+        <p:spPr>
+          <a:xfrm>
+            <a:off x="-485021" y="-173837"/>
+            <a:ext cx="1660849" cy="1047346"/>
+          </a:xfrm>
+          <a:custGeom>
+            <a:avLst/>
+            <a:gdLst>
+              <a:gd name="connsiteX0" fmla="*/ 1660849 w 1660849"/>
+              <a:gd name="connsiteY0" fmla="*/ 699796 h 699796"/>
+              <a:gd name="connsiteX1" fmla="*/ 1660849 w 1660849"/>
+              <a:gd name="connsiteY1" fmla="*/ 102637 h 699796"/>
+              <a:gd name="connsiteX2" fmla="*/ 223934 w 1660849"/>
+              <a:gd name="connsiteY2" fmla="*/ 102637 h 699796"/>
+              <a:gd name="connsiteX3" fmla="*/ 0 w 1660849"/>
+              <a:gd name="connsiteY3" fmla="*/ 0 h 699796"/>
+              <a:gd name="connsiteX0" fmla="*/ 1660849 w 1660849"/>
+              <a:gd name="connsiteY0" fmla="*/ 775825 h 775825"/>
+              <a:gd name="connsiteX1" fmla="*/ 1660849 w 1660849"/>
+              <a:gd name="connsiteY1" fmla="*/ 178666 h 775825"/>
+              <a:gd name="connsiteX2" fmla="*/ 223934 w 1660849"/>
+              <a:gd name="connsiteY2" fmla="*/ 178666 h 775825"/>
+              <a:gd name="connsiteX3" fmla="*/ 0 w 1660849"/>
+              <a:gd name="connsiteY3" fmla="*/ 0 h 775825"/>
+              <a:gd name="connsiteX0" fmla="*/ 1660849 w 1660849"/>
+              <a:gd name="connsiteY0" fmla="*/ 775825 h 775825"/>
+              <a:gd name="connsiteX1" fmla="*/ 1660849 w 1660849"/>
+              <a:gd name="connsiteY1" fmla="*/ 178666 h 775825"/>
+              <a:gd name="connsiteX2" fmla="*/ 223934 w 1660849"/>
+              <a:gd name="connsiteY2" fmla="*/ 178666 h 775825"/>
+              <a:gd name="connsiteX3" fmla="*/ 0 w 1660849"/>
+              <a:gd name="connsiteY3" fmla="*/ 0 h 775825"/>
+              <a:gd name="connsiteX0" fmla="*/ 1660849 w 1660849"/>
+              <a:gd name="connsiteY0" fmla="*/ 775825 h 775825"/>
+              <a:gd name="connsiteX1" fmla="*/ 1660849 w 1660849"/>
+              <a:gd name="connsiteY1" fmla="*/ 178666 h 775825"/>
+              <a:gd name="connsiteX2" fmla="*/ 223934 w 1660849"/>
+              <a:gd name="connsiteY2" fmla="*/ 178666 h 775825"/>
+              <a:gd name="connsiteX3" fmla="*/ 0 w 1660849"/>
+              <a:gd name="connsiteY3" fmla="*/ 0 h 775825"/>
+            </a:gdLst>
+            <a:ahLst/>
+            <a:cxnLst>
+              <a:cxn ang="0">
+                <a:pos x="connsiteX0" y="connsiteY0"/>
+              </a:cxn>
+              <a:cxn ang="0">
+                <a:pos x="connsiteX1" y="connsiteY1"/>
+              </a:cxn>
+              <a:cxn ang="0">
+                <a:pos x="connsiteX2" y="connsiteY2"/>
+              </a:cxn>
+              <a:cxn ang="0">
+                <a:pos x="connsiteX3" y="connsiteY3"/>
+              </a:cxn>
+            </a:cxnLst>
+            <a:rect l="l" t="t" r="r" b="b"/>
+            <a:pathLst>
+              <a:path w="1660849" h="775825">
+                <a:moveTo>
+                  <a:pt x="1660849" y="775825"/>
+                </a:moveTo>
+                <a:lnTo>
+                  <a:pt x="1660849" y="178666"/>
+                </a:lnTo>
+                <a:lnTo>
+                  <a:pt x="223934" y="178666"/>
+                </a:lnTo>
+                <a:lnTo>
+                  <a:pt x="0" y="0"/>
+                </a:lnTo>
+              </a:path>
+            </a:pathLst>
+          </a:custGeom>
+          <a:ln w="19050" cap="rnd">
+            <a:solidFill>
+              <a:schemeClr val="tx1"/>
+            </a:solidFill>
+            <a:round/>
+            <a:headEnd type="oval"/>
+          </a:ln>
+        </p:spPr>
+        <p:style>
+          <a:lnRef idx="1">
+            <a:schemeClr val="accent1"/>
+          </a:lnRef>
+          <a:fillRef idx="0">
+            <a:schemeClr val="accent1"/>
+          </a:fillRef>
+          <a:effectRef idx="0">
+            <a:schemeClr val="accent1"/>
+          </a:effectRef>
+          <a:fontRef idx="minor">
+            <a:schemeClr val="tx1"/>
+          </a:fontRef>
+        </p:style>
+        <p:txBody>
+          <a:bodyPr rtlCol="0" anchor="ctr"/>
+          <a:lstStyle/>
+          <a:p>
+            <a:pPr algn="ctr"/>
+            <a:endParaRPr lang="ko-KR" altLang="en-US">
+              <a:solidFill>
+                <a:schemeClr val="tx1"/>
+              </a:solidFill>
+              <a:latin typeface="나눔스퀘어" panose="020B0600000101010101" pitchFamily="50" charset="-127"/>
+              <a:ea typeface="나눔스퀘어" panose="020B0600000101010101" pitchFamily="50" charset="-127"/>
+            </a:endParaRPr>
+          </a:p>
+        </p:txBody>
+      </p:sp>
+      <p:sp>
+        <p:nvSpPr>
+          <p:cNvPr id="244" name="TextBox 243">
+            <a:extLst>
+              <a:ext uri="{FF2B5EF4-FFF2-40B4-BE49-F238E27FC236}">
+                <a16:creationId xmlns:a16="http://schemas.microsoft.com/office/drawing/2014/main" id="{A989220F-C7DA-47BF-93D6-5EDB1B4999B3}"/>
+              </a:ext>
+            </a:extLst>
+          </p:cNvPr>
+          <p:cNvSpPr txBox="1"/>
+          <p:nvPr/>
+        </p:nvSpPr>
+        <p:spPr>
+          <a:xfrm>
+            <a:off x="-530689" y="-557646"/>
+            <a:ext cx="1363738" cy="246221"/>
+          </a:xfrm>
+          <a:prstGeom prst="rect">
+            <a:avLst/>
+          </a:prstGeom>
+          <a:noFill/>
+        </p:spPr>
+        <p:txBody>
+          <a:bodyPr wrap="square">
+            <a:spAutoFit/>
+          </a:bodyPr>
+          <a:lstStyle/>
+          <a:p>
+            <a:r>
+              <a:rPr kumimoji="0" lang="en-US" altLang="ko-KR" sz="1000" b="0" i="0" u="none" strike="noStrike" kern="1200" cap="none" spc="0" normalizeH="0" baseline="0" noProof="0" dirty="0" err="1">
+                <a:ln>
+                  <a:noFill/>
+                </a:ln>
+                <a:solidFill>
+                  <a:prstClr val="black"/>
+                </a:solidFill>
+                <a:effectLst/>
+                <a:uLnTx/>
+                <a:uFillTx/>
+                <a:latin typeface="나눔스퀘어" panose="020B0600000101010101" pitchFamily="50" charset="-127"/>
+                <a:ea typeface="나눔스퀘어" panose="020B0600000101010101" pitchFamily="50" charset="-127"/>
+                <a:cs typeface="+mn-cs"/>
+              </a:rPr>
+              <a:t>teleoperationMode</a:t>
+            </a:r>
+            <a:endParaRPr lang="ko-KR" altLang="en-US" dirty="0"/>
+          </a:p>
+        </p:txBody>
+      </p:sp>
+      <p:sp>
+        <p:nvSpPr>
+          <p:cNvPr id="245" name="TextBox 244">
+            <a:extLst>
+              <a:ext uri="{FF2B5EF4-FFF2-40B4-BE49-F238E27FC236}">
+                <a16:creationId xmlns:a16="http://schemas.microsoft.com/office/drawing/2014/main" id="{12AF7FCD-F77B-4ED5-A247-1FF7F1FDBF12}"/>
+              </a:ext>
+            </a:extLst>
+          </p:cNvPr>
+          <p:cNvSpPr txBox="1"/>
+          <p:nvPr/>
+        </p:nvSpPr>
+        <p:spPr>
+          <a:xfrm>
+            <a:off x="-484114" y="404514"/>
+            <a:ext cx="1363738" cy="246221"/>
+          </a:xfrm>
+          <a:prstGeom prst="rect">
+            <a:avLst/>
+          </a:prstGeom>
+          <a:noFill/>
+        </p:spPr>
+        <p:txBody>
+          <a:bodyPr wrap="square">
+            <a:spAutoFit/>
+          </a:bodyPr>
+          <a:lstStyle/>
+          <a:p>
+            <a:r>
+              <a:rPr kumimoji="0" lang="en-US" altLang="ko-KR" sz="1000" b="0" i="0" u="none" strike="noStrike" kern="1200" cap="none" spc="0" normalizeH="0" baseline="0" noProof="0" dirty="0">
+                <a:ln>
+                  <a:noFill/>
+                </a:ln>
+                <a:solidFill>
+                  <a:prstClr val="black"/>
+                </a:solidFill>
+                <a:effectLst/>
+                <a:uLnTx/>
+                <a:uFillTx/>
+                <a:latin typeface="나눔스퀘어" panose="020B0600000101010101" pitchFamily="50" charset="-127"/>
+                <a:ea typeface="나눔스퀘어" panose="020B0600000101010101" pitchFamily="50" charset="-127"/>
+                <a:cs typeface="+mn-cs"/>
+              </a:rPr>
+              <a:t>!</a:t>
+            </a:r>
+            <a:r>
+              <a:rPr kumimoji="0" lang="en-US" altLang="ko-KR" sz="1000" b="0" i="0" u="none" strike="noStrike" kern="1200" cap="none" spc="0" normalizeH="0" baseline="0" noProof="0" dirty="0" err="1">
+                <a:ln>
+                  <a:noFill/>
+                </a:ln>
+                <a:solidFill>
+                  <a:prstClr val="black"/>
+                </a:solidFill>
+                <a:effectLst/>
+                <a:uLnTx/>
+                <a:uFillTx/>
+                <a:latin typeface="나눔스퀘어" panose="020B0600000101010101" pitchFamily="50" charset="-127"/>
+                <a:ea typeface="나눔스퀘어" panose="020B0600000101010101" pitchFamily="50" charset="-127"/>
+                <a:cs typeface="+mn-cs"/>
+              </a:rPr>
+              <a:t>teleoperationMode</a:t>
+            </a:r>
+            <a:endParaRPr lang="ko-KR" altLang="en-US" dirty="0"/>
+          </a:p>
+        </p:txBody>
+      </p:sp>
+      <p:sp>
+        <p:nvSpPr>
+          <p:cNvPr id="63" name="TextBox 62">
+            <a:extLst>
+              <a:ext uri="{FF2B5EF4-FFF2-40B4-BE49-F238E27FC236}">
+                <a16:creationId xmlns:a16="http://schemas.microsoft.com/office/drawing/2014/main" id="{A8B795F8-BB76-415C-BCD9-591499F13793}"/>
+              </a:ext>
+            </a:extLst>
+          </p:cNvPr>
+          <p:cNvSpPr txBox="1"/>
+          <p:nvPr/>
+        </p:nvSpPr>
+        <p:spPr>
+          <a:xfrm>
+            <a:off x="1188840" y="440240"/>
+            <a:ext cx="1607948" cy="246221"/>
+          </a:xfrm>
+          <a:prstGeom prst="rect">
+            <a:avLst/>
+          </a:prstGeom>
+          <a:noFill/>
+        </p:spPr>
+        <p:txBody>
+          <a:bodyPr wrap="square" rtlCol="0">
+            <a:spAutoFit/>
+          </a:bodyPr>
+          <a:lstStyle/>
+          <a:p>
+            <a:r>
+              <a:rPr lang="en-US" altLang="ko-KR" sz="1000" dirty="0">
+                <a:latin typeface="나눔스퀘어" panose="020B0600000101010101" pitchFamily="50" charset="-127"/>
+                <a:ea typeface="나눔스퀘어" panose="020B0600000101010101" pitchFamily="50" charset="-127"/>
+              </a:rPr>
+              <a:t>#if defined(USE_INDY)</a:t>
+            </a:r>
+          </a:p>
+        </p:txBody>
+      </p:sp>
+      <p:sp>
+        <p:nvSpPr>
+          <p:cNvPr id="64" name="TextBox 63">
+            <a:extLst>
+              <a:ext uri="{FF2B5EF4-FFF2-40B4-BE49-F238E27FC236}">
+                <a16:creationId xmlns:a16="http://schemas.microsoft.com/office/drawing/2014/main" id="{05F28DA6-D179-4719-8817-4D4CC364E0AD}"/>
+              </a:ext>
+            </a:extLst>
+          </p:cNvPr>
+          <p:cNvSpPr txBox="1"/>
+          <p:nvPr/>
+        </p:nvSpPr>
+        <p:spPr>
+          <a:xfrm>
+            <a:off x="1173445" y="1448947"/>
+            <a:ext cx="1507144" cy="246221"/>
+          </a:xfrm>
+          <a:prstGeom prst="rect">
+            <a:avLst/>
+          </a:prstGeom>
+          <a:noFill/>
+        </p:spPr>
+        <p:txBody>
+          <a:bodyPr wrap="none" rtlCol="0">
+            <a:spAutoFit/>
+          </a:bodyPr>
+          <a:lstStyle/>
+          <a:p>
+            <a:r>
+              <a:rPr lang="en-US" altLang="ko-KR" sz="1000" dirty="0">
+                <a:latin typeface="나눔스퀘어" panose="020B0600000101010101" pitchFamily="50" charset="-127"/>
+                <a:ea typeface="나눔스퀘어" panose="020B0600000101010101" pitchFamily="50" charset="-127"/>
+              </a:rPr>
+              <a:t>#if !defined(USE_INDY)</a:t>
+            </a:r>
+            <a:endParaRPr lang="ko-KR" altLang="en-US" sz="1000" dirty="0">
+              <a:latin typeface="나눔스퀘어" panose="020B0600000101010101" pitchFamily="50" charset="-127"/>
+              <a:ea typeface="나눔스퀘어" panose="020B0600000101010101" pitchFamily="50" charset="-127"/>
+            </a:endParaRPr>
+          </a:p>
+        </p:txBody>
+      </p:sp>
+      <p:sp>
+        <p:nvSpPr>
+          <p:cNvPr id="65" name="직사각형 64">
+            <a:extLst>
+              <a:ext uri="{FF2B5EF4-FFF2-40B4-BE49-F238E27FC236}">
+                <a16:creationId xmlns:a16="http://schemas.microsoft.com/office/drawing/2014/main" id="{88FFE1B7-D194-41CF-9981-A84D3E7D4245}"/>
+              </a:ext>
+            </a:extLst>
+          </p:cNvPr>
+          <p:cNvSpPr/>
+          <p:nvPr/>
+        </p:nvSpPr>
+        <p:spPr>
+          <a:xfrm>
+            <a:off x="4476695" y="730031"/>
+            <a:ext cx="1980000" cy="720000"/>
+          </a:xfrm>
+          <a:prstGeom prst="rect">
+            <a:avLst/>
+          </a:prstGeom>
+          <a:ln w="38100">
+            <a:solidFill>
+              <a:schemeClr val="accent1"/>
+            </a:solidFill>
+          </a:ln>
+        </p:spPr>
+        <p:style>
+          <a:lnRef idx="1">
+            <a:schemeClr val="accent1"/>
+          </a:lnRef>
+          <a:fillRef idx="0">
+            <a:schemeClr val="accent1"/>
+          </a:fillRef>
+          <a:effectRef idx="0">
+            <a:schemeClr val="accent1"/>
+          </a:effectRef>
+          <a:fontRef idx="minor">
+            <a:schemeClr val="tx1"/>
+          </a:fontRef>
+        </p:style>
+        <p:txBody>
+          <a:bodyPr rtlCol="0" anchor="ctr"/>
+          <a:lstStyle/>
+          <a:p>
+            <a:pPr algn="ctr"/>
+            <a:r>
+              <a:rPr lang="en-US" altLang="ko-KR" dirty="0">
+                <a:latin typeface="나눔스퀘어" panose="020B0600000101010101" pitchFamily="50" charset="-127"/>
+                <a:ea typeface="나눔스퀘어" panose="020B0600000101010101" pitchFamily="50" charset="-127"/>
+              </a:rPr>
+              <a:t>User Interface Thread</a:t>
+            </a:r>
+            <a:endParaRPr lang="ko-KR" altLang="en-US" dirty="0">
+              <a:latin typeface="나눔스퀘어" panose="020B0600000101010101" pitchFamily="50" charset="-127"/>
+              <a:ea typeface="나눔스퀘어" panose="020B0600000101010101" pitchFamily="50" charset="-127"/>
+            </a:endParaRPr>
+          </a:p>
+        </p:txBody>
+      </p:sp>
+      <p:sp>
+        <p:nvSpPr>
+          <p:cNvPr id="168" name="직사각형 167">
+            <a:extLst>
+              <a:ext uri="{FF2B5EF4-FFF2-40B4-BE49-F238E27FC236}">
+                <a16:creationId xmlns:a16="http://schemas.microsoft.com/office/drawing/2014/main" id="{036B9ED1-1EBA-4A82-92BE-4BE25412CFF7}"/>
+              </a:ext>
+            </a:extLst>
+          </p:cNvPr>
+          <p:cNvSpPr/>
+          <p:nvPr/>
+        </p:nvSpPr>
+        <p:spPr>
+          <a:xfrm>
+            <a:off x="11410497" y="142085"/>
+            <a:ext cx="1250430" cy="716926"/>
+          </a:xfrm>
+          <a:prstGeom prst="rect">
+            <a:avLst/>
+          </a:prstGeom>
+          <a:ln w="19050">
+            <a:solidFill>
+              <a:schemeClr val="tx1"/>
+            </a:solidFill>
+          </a:ln>
+        </p:spPr>
+        <p:style>
+          <a:lnRef idx="1">
+            <a:schemeClr val="accent1"/>
+          </a:lnRef>
+          <a:fillRef idx="0">
+            <a:schemeClr val="accent1"/>
+          </a:fillRef>
+          <a:effectRef idx="0">
+            <a:schemeClr val="accent1"/>
+          </a:effectRef>
+          <a:fontRef idx="minor">
+            <a:schemeClr val="tx1"/>
+          </a:fontRef>
+        </p:style>
+        <p:txBody>
+          <a:bodyPr rtlCol="0" anchor="ctr"/>
+          <a:lstStyle/>
+          <a:p>
+            <a:pPr algn="ctr"/>
+            <a:r>
+              <a:rPr lang="en-US" altLang="ko-KR" dirty="0">
+                <a:solidFill>
+                  <a:schemeClr val="tx1"/>
+                </a:solidFill>
+                <a:latin typeface="나눔스퀘어" panose="020B0600000101010101" pitchFamily="50" charset="-127"/>
+                <a:ea typeface="나눔스퀘어" panose="020B0600000101010101" pitchFamily="50" charset="-127"/>
+              </a:rPr>
+              <a:t>Falcon</a:t>
+            </a:r>
+            <a:endParaRPr lang="ko-KR" altLang="en-US" dirty="0">
+              <a:solidFill>
+                <a:schemeClr val="tx1"/>
+              </a:solidFill>
+              <a:latin typeface="나눔스퀘어" panose="020B0600000101010101" pitchFamily="50" charset="-127"/>
+              <a:ea typeface="나눔스퀘어" panose="020B0600000101010101" pitchFamily="50" charset="-127"/>
+            </a:endParaRPr>
+          </a:p>
+        </p:txBody>
+      </p:sp>
+      <p:sp>
+        <p:nvSpPr>
+          <p:cNvPr id="169" name="직사각형 168">
+            <a:extLst>
+              <a:ext uri="{FF2B5EF4-FFF2-40B4-BE49-F238E27FC236}">
+                <a16:creationId xmlns:a16="http://schemas.microsoft.com/office/drawing/2014/main" id="{E044C445-3CE4-4138-8126-FEFF75E2CBB3}"/>
+              </a:ext>
+            </a:extLst>
+          </p:cNvPr>
+          <p:cNvSpPr/>
+          <p:nvPr/>
+        </p:nvSpPr>
+        <p:spPr>
+          <a:xfrm>
+            <a:off x="11410497" y="1330248"/>
+            <a:ext cx="1250430" cy="716926"/>
+          </a:xfrm>
+          <a:prstGeom prst="rect">
+            <a:avLst/>
+          </a:prstGeom>
+          <a:ln w="19050">
+            <a:solidFill>
+              <a:schemeClr val="tx1"/>
+            </a:solidFill>
+          </a:ln>
+        </p:spPr>
+        <p:style>
+          <a:lnRef idx="1">
+            <a:schemeClr val="accent1"/>
+          </a:lnRef>
+          <a:fillRef idx="0">
+            <a:schemeClr val="accent1"/>
+          </a:fillRef>
+          <a:effectRef idx="0">
+            <a:schemeClr val="accent1"/>
+          </a:effectRef>
+          <a:fontRef idx="minor">
+            <a:schemeClr val="tx1"/>
+          </a:fontRef>
+        </p:style>
+        <p:txBody>
+          <a:bodyPr rtlCol="0" anchor="ctr"/>
+          <a:lstStyle/>
+          <a:p>
+            <a:pPr algn="ctr"/>
+            <a:r>
+              <a:rPr lang="en-US" altLang="ko-KR" dirty="0" err="1">
+                <a:solidFill>
+                  <a:schemeClr val="tx1"/>
+                </a:solidFill>
+                <a:latin typeface="나눔스퀘어" panose="020B0600000101010101" pitchFamily="50" charset="-127"/>
+                <a:ea typeface="나눔스퀘어" panose="020B0600000101010101" pitchFamily="50" charset="-127"/>
+              </a:rPr>
+              <a:t>AgileEye</a:t>
+            </a:r>
+            <a:endParaRPr lang="ko-KR" altLang="en-US" dirty="0">
+              <a:solidFill>
+                <a:schemeClr val="tx1"/>
+              </a:solidFill>
+              <a:latin typeface="나눔스퀘어" panose="020B0600000101010101" pitchFamily="50" charset="-127"/>
+              <a:ea typeface="나눔스퀘어" panose="020B0600000101010101" pitchFamily="50" charset="-127"/>
+            </a:endParaRPr>
+          </a:p>
+        </p:txBody>
+      </p:sp>
+      <p:sp>
+        <p:nvSpPr>
+          <p:cNvPr id="67" name="직사각형 66">
+            <a:extLst>
+              <a:ext uri="{FF2B5EF4-FFF2-40B4-BE49-F238E27FC236}">
+                <a16:creationId xmlns:a16="http://schemas.microsoft.com/office/drawing/2014/main" id="{0F3C5B2E-A43D-4A5F-B0D3-F8DD45B4AD6C}"/>
+              </a:ext>
+            </a:extLst>
+          </p:cNvPr>
+          <p:cNvSpPr/>
+          <p:nvPr/>
+        </p:nvSpPr>
+        <p:spPr>
+          <a:xfrm>
+            <a:off x="7337176" y="705383"/>
+            <a:ext cx="1820411" cy="778494"/>
+          </a:xfrm>
+          <a:prstGeom prst="rect">
+            <a:avLst/>
+          </a:prstGeom>
+          <a:solidFill>
+            <a:schemeClr val="accent5">
+              <a:lumMod val="20000"/>
+              <a:lumOff val="80000"/>
+            </a:schemeClr>
+          </a:solidFill>
+          <a:ln w="19050">
+            <a:solidFill>
+              <a:schemeClr val="tx1"/>
+            </a:solidFill>
+          </a:ln>
+        </p:spPr>
+        <p:style>
+          <a:lnRef idx="1">
+            <a:schemeClr val="accent1"/>
+          </a:lnRef>
+          <a:fillRef idx="0">
+            <a:schemeClr val="accent1"/>
+          </a:fillRef>
+          <a:effectRef idx="0">
+            <a:schemeClr val="accent1"/>
+          </a:effectRef>
+          <a:fontRef idx="minor">
+            <a:schemeClr val="tx1"/>
+          </a:fontRef>
+        </p:style>
+        <p:txBody>
+          <a:bodyPr rtlCol="0" anchor="ctr"/>
+          <a:lstStyle/>
+          <a:p>
+            <a:pPr algn="ctr"/>
+            <a:r>
+              <a:rPr lang="en-US" altLang="ko-KR" dirty="0">
+                <a:solidFill>
+                  <a:schemeClr val="tx1"/>
+                </a:solidFill>
+                <a:latin typeface="나눔스퀘어" panose="020B0600000101010101" pitchFamily="50" charset="-127"/>
+                <a:ea typeface="나눔스퀘어" panose="020B0600000101010101" pitchFamily="50" charset="-127"/>
+              </a:rPr>
+              <a:t>Custom Furnace Device</a:t>
+            </a:r>
+            <a:endParaRPr lang="ko-KR" altLang="en-US" dirty="0">
+              <a:solidFill>
+                <a:schemeClr val="tx1"/>
+              </a:solidFill>
+              <a:latin typeface="나눔스퀘어" panose="020B0600000101010101" pitchFamily="50" charset="-127"/>
+              <a:ea typeface="나눔스퀘어" panose="020B0600000101010101" pitchFamily="50" charset="-127"/>
+            </a:endParaRPr>
+          </a:p>
+        </p:txBody>
+      </p:sp>
+      <p:sp>
+        <p:nvSpPr>
+          <p:cNvPr id="183" name="TextBox 182">
+            <a:extLst>
+              <a:ext uri="{FF2B5EF4-FFF2-40B4-BE49-F238E27FC236}">
+                <a16:creationId xmlns:a16="http://schemas.microsoft.com/office/drawing/2014/main" id="{6904B11E-D160-442F-836F-F69C8BF298A5}"/>
+              </a:ext>
+            </a:extLst>
+          </p:cNvPr>
+          <p:cNvSpPr txBox="1"/>
+          <p:nvPr/>
+        </p:nvSpPr>
+        <p:spPr>
+          <a:xfrm>
+            <a:off x="9700163" y="1962661"/>
+            <a:ext cx="1702710" cy="246221"/>
+          </a:xfrm>
+          <a:prstGeom prst="rect">
+            <a:avLst/>
+          </a:prstGeom>
+          <a:noFill/>
+        </p:spPr>
+        <p:txBody>
+          <a:bodyPr wrap="none" rtlCol="0">
+            <a:spAutoFit/>
+          </a:bodyPr>
+          <a:lstStyle/>
+          <a:p>
+            <a:r>
+              <a:rPr lang="en-US" altLang="ko-KR" sz="1000" dirty="0">
+                <a:latin typeface="나눔스퀘어" panose="020B0600000101010101" pitchFamily="50" charset="-127"/>
+                <a:ea typeface="나눔스퀘어" panose="020B0600000101010101" pitchFamily="50" charset="-127"/>
+              </a:rPr>
+              <a:t>#if define USE_AGILE_EYE</a:t>
+            </a:r>
+            <a:endParaRPr lang="ko-KR" altLang="en-US" sz="1000" dirty="0">
+              <a:latin typeface="나눔스퀘어" panose="020B0600000101010101" pitchFamily="50" charset="-127"/>
+              <a:ea typeface="나눔스퀘어" panose="020B0600000101010101" pitchFamily="50" charset="-127"/>
+            </a:endParaRPr>
+          </a:p>
+        </p:txBody>
+      </p:sp>
+      <p:sp>
+        <p:nvSpPr>
+          <p:cNvPr id="185" name="TextBox 184">
+            <a:extLst>
+              <a:ext uri="{FF2B5EF4-FFF2-40B4-BE49-F238E27FC236}">
+                <a16:creationId xmlns:a16="http://schemas.microsoft.com/office/drawing/2014/main" id="{81DD35D0-2588-4020-91B5-F2F7071F6B66}"/>
+              </a:ext>
+            </a:extLst>
+          </p:cNvPr>
+          <p:cNvSpPr txBox="1"/>
+          <p:nvPr/>
+        </p:nvSpPr>
+        <p:spPr>
+          <a:xfrm>
+            <a:off x="5933037" y="164669"/>
+            <a:ext cx="1981633" cy="246221"/>
+          </a:xfrm>
+          <a:prstGeom prst="rect">
+            <a:avLst/>
+          </a:prstGeom>
+          <a:noFill/>
+        </p:spPr>
+        <p:txBody>
+          <a:bodyPr wrap="none" rtlCol="0">
+            <a:spAutoFit/>
+          </a:bodyPr>
+          <a:lstStyle/>
+          <a:p>
+            <a:r>
+              <a:rPr lang="en-US" altLang="ko-KR" sz="1000">
+                <a:latin typeface="나눔스퀘어" panose="020B0600000101010101" pitchFamily="50" charset="-127"/>
+                <a:ea typeface="나눔스퀘어" panose="020B0600000101010101" pitchFamily="50" charset="-127"/>
+              </a:rPr>
+              <a:t>isHapticDeviceAvailable </a:t>
+            </a:r>
+            <a:r>
+              <a:rPr lang="en-US" altLang="ko-KR" sz="1000">
+                <a:latin typeface="나눔스퀘어" panose="020B0600000101010101" pitchFamily="50" charset="-127"/>
+                <a:ea typeface="나눔스퀘어" panose="020B0600000101010101" pitchFamily="50" charset="-127"/>
+                <a:sym typeface="Wingdings" panose="05000000000000000000" pitchFamily="2" charset="2"/>
+              </a:rPr>
+              <a:t>→ true</a:t>
+            </a:r>
+            <a:endParaRPr lang="ko-KR" altLang="en-US" sz="1000" dirty="0">
+              <a:latin typeface="나눔스퀘어" panose="020B0600000101010101" pitchFamily="50" charset="-127"/>
+              <a:ea typeface="나눔스퀘어" panose="020B0600000101010101" pitchFamily="50" charset="-127"/>
+            </a:endParaRPr>
+          </a:p>
+        </p:txBody>
+      </p:sp>
+      <p:sp>
+        <p:nvSpPr>
+          <p:cNvPr id="195" name="자유형: 도형 194">
+            <a:extLst>
+              <a:ext uri="{FF2B5EF4-FFF2-40B4-BE49-F238E27FC236}">
+                <a16:creationId xmlns:a16="http://schemas.microsoft.com/office/drawing/2014/main" id="{F1C5ED97-0FE0-4B0D-A2A6-22BCF7C4E400}"/>
+              </a:ext>
+            </a:extLst>
+          </p:cNvPr>
+          <p:cNvSpPr/>
+          <p:nvPr/>
+        </p:nvSpPr>
+        <p:spPr>
+          <a:xfrm>
+            <a:off x="10774418" y="1679368"/>
+            <a:ext cx="619037" cy="420383"/>
+          </a:xfrm>
+          <a:custGeom>
+            <a:avLst/>
+            <a:gdLst>
+              <a:gd name="connsiteX0" fmla="*/ 685800 w 685800"/>
+              <a:gd name="connsiteY0" fmla="*/ 0 h 0"/>
+              <a:gd name="connsiteX1" fmla="*/ 0 w 685800"/>
+              <a:gd name="connsiteY1" fmla="*/ 0 h 0"/>
+            </a:gdLst>
+            <a:ahLst/>
+            <a:cxnLst>
+              <a:cxn ang="0">
+                <a:pos x="connsiteX0" y="connsiteY0"/>
+              </a:cxn>
+              <a:cxn ang="0">
+                <a:pos x="connsiteX1" y="connsiteY1"/>
+              </a:cxn>
+            </a:cxnLst>
+            <a:rect l="l" t="t" r="r" b="b"/>
+            <a:pathLst>
+              <a:path w="685800">
+                <a:moveTo>
+                  <a:pt x="685800" y="0"/>
+                </a:moveTo>
+                <a:lnTo>
+                  <a:pt x="0" y="0"/>
+                </a:lnTo>
+              </a:path>
+            </a:pathLst>
+          </a:custGeom>
+          <a:ln w="19050" cap="rnd">
+            <a:solidFill>
+              <a:schemeClr val="tx1"/>
+            </a:solidFill>
+            <a:round/>
+            <a:tailEnd type="oval"/>
+          </a:ln>
+        </p:spPr>
+        <p:style>
+          <a:lnRef idx="1">
+            <a:schemeClr val="accent1"/>
+          </a:lnRef>
+          <a:fillRef idx="0">
+            <a:schemeClr val="accent1"/>
+          </a:fillRef>
+          <a:effectRef idx="0">
+            <a:schemeClr val="accent1"/>
+          </a:effectRef>
+          <a:fontRef idx="minor">
+            <a:schemeClr val="tx1"/>
+          </a:fontRef>
+        </p:style>
+        <p:txBody>
+          <a:bodyPr rtlCol="0" anchor="ctr"/>
+          <a:lstStyle/>
+          <a:p>
+            <a:pPr algn="ctr"/>
+            <a:endParaRPr lang="ko-KR" altLang="en-US">
+              <a:solidFill>
+                <a:schemeClr val="tx1"/>
+              </a:solidFill>
+              <a:latin typeface="나눔스퀘어" panose="020B0600000101010101" pitchFamily="50" charset="-127"/>
+              <a:ea typeface="나눔스퀘어" panose="020B0600000101010101" pitchFamily="50" charset="-127"/>
+            </a:endParaRPr>
+          </a:p>
+        </p:txBody>
+      </p:sp>
+      <p:sp>
+        <p:nvSpPr>
+          <p:cNvPr id="197" name="자유형: 도형 196">
+            <a:extLst>
+              <a:ext uri="{FF2B5EF4-FFF2-40B4-BE49-F238E27FC236}">
+                <a16:creationId xmlns:a16="http://schemas.microsoft.com/office/drawing/2014/main" id="{1572AEEA-34E5-40BB-97C8-A7D4CBCA4AD2}"/>
+              </a:ext>
+            </a:extLst>
+          </p:cNvPr>
+          <p:cNvSpPr/>
+          <p:nvPr/>
+        </p:nvSpPr>
+        <p:spPr>
+          <a:xfrm>
+            <a:off x="9954883" y="1069770"/>
+            <a:ext cx="762386" cy="609600"/>
+          </a:xfrm>
+          <a:custGeom>
+            <a:avLst/>
+            <a:gdLst>
+              <a:gd name="connsiteX0" fmla="*/ 0 w 714375"/>
+              <a:gd name="connsiteY0" fmla="*/ 0 h 561975"/>
+              <a:gd name="connsiteX1" fmla="*/ 0 w 714375"/>
+              <a:gd name="connsiteY1" fmla="*/ 561975 h 561975"/>
+              <a:gd name="connsiteX2" fmla="*/ 476250 w 714375"/>
+              <a:gd name="connsiteY2" fmla="*/ 561975 h 561975"/>
+              <a:gd name="connsiteX3" fmla="*/ 714375 w 714375"/>
+              <a:gd name="connsiteY3" fmla="*/ 428625 h 561975"/>
+            </a:gdLst>
+            <a:ahLst/>
+            <a:cxnLst>
+              <a:cxn ang="0">
+                <a:pos x="connsiteX0" y="connsiteY0"/>
+              </a:cxn>
+              <a:cxn ang="0">
+                <a:pos x="connsiteX1" y="connsiteY1"/>
+              </a:cxn>
+              <a:cxn ang="0">
+                <a:pos x="connsiteX2" y="connsiteY2"/>
+              </a:cxn>
+              <a:cxn ang="0">
+                <a:pos x="connsiteX3" y="connsiteY3"/>
+              </a:cxn>
+            </a:cxnLst>
+            <a:rect l="l" t="t" r="r" b="b"/>
+            <a:pathLst>
+              <a:path w="714375" h="561975">
+                <a:moveTo>
+                  <a:pt x="0" y="0"/>
+                </a:moveTo>
+                <a:lnTo>
+                  <a:pt x="0" y="561975"/>
+                </a:lnTo>
+                <a:lnTo>
+                  <a:pt x="476250" y="561975"/>
+                </a:lnTo>
+                <a:lnTo>
+                  <a:pt x="714375" y="428625"/>
+                </a:lnTo>
+              </a:path>
+            </a:pathLst>
+          </a:custGeom>
+          <a:ln w="19050" cap="rnd">
+            <a:solidFill>
+              <a:schemeClr val="tx1"/>
+            </a:solidFill>
+            <a:round/>
+          </a:ln>
+        </p:spPr>
+        <p:style>
+          <a:lnRef idx="1">
+            <a:schemeClr val="accent1"/>
+          </a:lnRef>
+          <a:fillRef idx="0">
+            <a:schemeClr val="accent1"/>
+          </a:fillRef>
+          <a:effectRef idx="0">
+            <a:schemeClr val="accent1"/>
+          </a:effectRef>
+          <a:fontRef idx="minor">
+            <a:schemeClr val="tx1"/>
+          </a:fontRef>
+        </p:style>
+        <p:txBody>
+          <a:bodyPr rtlCol="0" anchor="ctr"/>
+          <a:lstStyle/>
+          <a:p>
+            <a:pPr algn="ctr"/>
+            <a:endParaRPr lang="ko-KR" altLang="en-US">
+              <a:latin typeface="나눔스퀘어" panose="020B0600000101010101" pitchFamily="50" charset="-127"/>
+              <a:ea typeface="나눔스퀘어" panose="020B0600000101010101" pitchFamily="50" charset="-127"/>
+            </a:endParaRPr>
+          </a:p>
+        </p:txBody>
+      </p:sp>
+      <p:sp>
+        <p:nvSpPr>
+          <p:cNvPr id="199" name="타원 198">
+            <a:extLst>
+              <a:ext uri="{FF2B5EF4-FFF2-40B4-BE49-F238E27FC236}">
+                <a16:creationId xmlns:a16="http://schemas.microsoft.com/office/drawing/2014/main" id="{430D758F-C0AE-48A2-B740-DFDAD5784353}"/>
+              </a:ext>
+            </a:extLst>
+          </p:cNvPr>
+          <p:cNvSpPr/>
+          <p:nvPr/>
+        </p:nvSpPr>
+        <p:spPr>
+          <a:xfrm>
+            <a:off x="10381861" y="1442994"/>
+            <a:ext cx="491434" cy="491434"/>
+          </a:xfrm>
+          <a:prstGeom prst="ellipse">
+            <a:avLst/>
+          </a:prstGeom>
+          <a:ln w="19050" cap="rnd">
+            <a:solidFill>
+              <a:schemeClr val="tx1"/>
+            </a:solidFill>
+            <a:round/>
+          </a:ln>
+        </p:spPr>
+        <p:style>
+          <a:lnRef idx="1">
+            <a:schemeClr val="accent1"/>
+          </a:lnRef>
+          <a:fillRef idx="0">
+            <a:schemeClr val="accent1"/>
+          </a:fillRef>
+          <a:effectRef idx="0">
+            <a:schemeClr val="accent1"/>
+          </a:effectRef>
+          <a:fontRef idx="minor">
+            <a:schemeClr val="tx1"/>
+          </a:fontRef>
+        </p:style>
+        <p:txBody>
+          <a:bodyPr rtlCol="0" anchor="ctr"/>
+          <a:lstStyle/>
+          <a:p>
+            <a:pPr algn="ctr"/>
+            <a:endParaRPr lang="ko-KR" altLang="en-US">
+              <a:solidFill>
+                <a:schemeClr val="tx1"/>
+              </a:solidFill>
+              <a:latin typeface="나눔스퀘어" panose="020B0600000101010101" pitchFamily="50" charset="-127"/>
+              <a:ea typeface="나눔스퀘어" panose="020B0600000101010101" pitchFamily="50" charset="-127"/>
+            </a:endParaRPr>
+          </a:p>
+        </p:txBody>
+      </p:sp>
+      <p:sp>
+        <p:nvSpPr>
+          <p:cNvPr id="201" name="자유형: 도형 200">
+            <a:extLst>
+              <a:ext uri="{FF2B5EF4-FFF2-40B4-BE49-F238E27FC236}">
+                <a16:creationId xmlns:a16="http://schemas.microsoft.com/office/drawing/2014/main" id="{5F2B24F0-B54F-47B3-B476-845847068510}"/>
+              </a:ext>
+            </a:extLst>
+          </p:cNvPr>
+          <p:cNvSpPr/>
+          <p:nvPr/>
+        </p:nvSpPr>
+        <p:spPr>
+          <a:xfrm flipV="1">
+            <a:off x="6478894" y="1011054"/>
+            <a:ext cx="858282" cy="78975"/>
+          </a:xfrm>
+          <a:custGeom>
+            <a:avLst/>
+            <a:gdLst>
+              <a:gd name="connsiteX0" fmla="*/ 0 w 514350"/>
+              <a:gd name="connsiteY0" fmla="*/ 0 h 0"/>
+              <a:gd name="connsiteX1" fmla="*/ 514350 w 514350"/>
+              <a:gd name="connsiteY1" fmla="*/ 0 h 0"/>
+            </a:gdLst>
+            <a:ahLst/>
+            <a:cxnLst>
+              <a:cxn ang="0">
+                <a:pos x="connsiteX0" y="connsiteY0"/>
+              </a:cxn>
+              <a:cxn ang="0">
+                <a:pos x="connsiteX1" y="connsiteY1"/>
+              </a:cxn>
+            </a:cxnLst>
+            <a:rect l="l" t="t" r="r" b="b"/>
+            <a:pathLst>
+              <a:path w="514350">
+                <a:moveTo>
+                  <a:pt x="0" y="0"/>
+                </a:moveTo>
+                <a:lnTo>
+                  <a:pt x="514350" y="0"/>
+                </a:lnTo>
+              </a:path>
+            </a:pathLst>
+          </a:custGeom>
+          <a:ln w="19050" cap="rnd">
+            <a:solidFill>
+              <a:schemeClr val="tx1"/>
+            </a:solidFill>
+            <a:round/>
+          </a:ln>
+        </p:spPr>
+        <p:style>
+          <a:lnRef idx="1">
+            <a:schemeClr val="accent1"/>
+          </a:lnRef>
+          <a:fillRef idx="0">
+            <a:schemeClr val="accent1"/>
+          </a:fillRef>
+          <a:effectRef idx="0">
+            <a:schemeClr val="accent1"/>
+          </a:effectRef>
+          <a:fontRef idx="minor">
+            <a:schemeClr val="tx1"/>
+          </a:fontRef>
+        </p:style>
+        <p:txBody>
+          <a:bodyPr rtlCol="0" anchor="ctr"/>
+          <a:lstStyle/>
+          <a:p>
+            <a:pPr algn="ctr"/>
+            <a:endParaRPr lang="ko-KR" altLang="en-US">
+              <a:solidFill>
+                <a:schemeClr val="tx1"/>
+              </a:solidFill>
+              <a:latin typeface="나눔스퀘어" panose="020B0600000101010101" pitchFamily="50" charset="-127"/>
+              <a:ea typeface="나눔스퀘어" panose="020B0600000101010101" pitchFamily="50" charset="-127"/>
+            </a:endParaRPr>
+          </a:p>
+        </p:txBody>
+      </p:sp>
+      <p:sp>
+        <p:nvSpPr>
+          <p:cNvPr id="202" name="자유형: 도형 201">
+            <a:extLst>
+              <a:ext uri="{FF2B5EF4-FFF2-40B4-BE49-F238E27FC236}">
+                <a16:creationId xmlns:a16="http://schemas.microsoft.com/office/drawing/2014/main" id="{C05D6052-FBE1-4E1E-80B9-A7051C96C94A}"/>
+              </a:ext>
+            </a:extLst>
+          </p:cNvPr>
+          <p:cNvSpPr/>
+          <p:nvPr/>
+        </p:nvSpPr>
+        <p:spPr>
+          <a:xfrm>
+            <a:off x="6917830" y="422069"/>
+            <a:ext cx="0" cy="666750"/>
+          </a:xfrm>
+          <a:custGeom>
+            <a:avLst/>
+            <a:gdLst>
+              <a:gd name="connsiteX0" fmla="*/ 0 w 0"/>
+              <a:gd name="connsiteY0" fmla="*/ 666750 h 666750"/>
+              <a:gd name="connsiteX1" fmla="*/ 0 w 0"/>
+              <a:gd name="connsiteY1" fmla="*/ 0 h 666750"/>
+            </a:gdLst>
+            <a:ahLst/>
+            <a:cxnLst>
+              <a:cxn ang="0">
+                <a:pos x="connsiteX0" y="connsiteY0"/>
+              </a:cxn>
+              <a:cxn ang="0">
+                <a:pos x="connsiteX1" y="connsiteY1"/>
+              </a:cxn>
+            </a:cxnLst>
+            <a:rect l="l" t="t" r="r" b="b"/>
+            <a:pathLst>
+              <a:path h="666750">
+                <a:moveTo>
+                  <a:pt x="0" y="666750"/>
+                </a:moveTo>
+                <a:lnTo>
+                  <a:pt x="0" y="0"/>
+                </a:lnTo>
+              </a:path>
+            </a:pathLst>
+          </a:custGeom>
+          <a:ln w="19050" cap="rnd">
+            <a:solidFill>
+              <a:schemeClr val="tx1"/>
+            </a:solidFill>
+            <a:prstDash val="sysDash"/>
+            <a:round/>
+            <a:tailEnd type="triangle"/>
+          </a:ln>
+        </p:spPr>
+        <p:style>
+          <a:lnRef idx="1">
+            <a:schemeClr val="accent1"/>
+          </a:lnRef>
+          <a:fillRef idx="0">
+            <a:schemeClr val="accent1"/>
+          </a:fillRef>
+          <a:effectRef idx="0">
+            <a:schemeClr val="accent1"/>
+          </a:effectRef>
+          <a:fontRef idx="minor">
+            <a:schemeClr val="tx1"/>
+          </a:fontRef>
+        </p:style>
+        <p:txBody>
+          <a:bodyPr rtlCol="0" anchor="ctr"/>
+          <a:lstStyle/>
+          <a:p>
+            <a:pPr algn="ctr"/>
+            <a:endParaRPr lang="ko-KR" altLang="en-US">
+              <a:latin typeface="나눔스퀘어" panose="020B0600000101010101" pitchFamily="50" charset="-127"/>
+              <a:ea typeface="나눔스퀘어" panose="020B0600000101010101" pitchFamily="50" charset="-127"/>
+            </a:endParaRPr>
+          </a:p>
+        </p:txBody>
+      </p:sp>
+      <p:sp>
+        <p:nvSpPr>
+          <p:cNvPr id="4" name="자유형: 도형 3">
+            <a:extLst>
+              <a:ext uri="{FF2B5EF4-FFF2-40B4-BE49-F238E27FC236}">
+                <a16:creationId xmlns:a16="http://schemas.microsoft.com/office/drawing/2014/main" id="{A5D38161-502C-4A20-87FA-637BDED05683}"/>
+              </a:ext>
+            </a:extLst>
+          </p:cNvPr>
+          <p:cNvSpPr/>
+          <p:nvPr/>
+        </p:nvSpPr>
+        <p:spPr>
+          <a:xfrm>
+            <a:off x="9157587" y="484105"/>
+            <a:ext cx="2235101" cy="588916"/>
+          </a:xfrm>
+          <a:custGeom>
+            <a:avLst/>
+            <a:gdLst>
+              <a:gd name="connsiteX0" fmla="*/ 0 w 2313991"/>
+              <a:gd name="connsiteY0" fmla="*/ 541175 h 541175"/>
+              <a:gd name="connsiteX1" fmla="*/ 821093 w 2313991"/>
+              <a:gd name="connsiteY1" fmla="*/ 541175 h 541175"/>
+              <a:gd name="connsiteX2" fmla="*/ 821093 w 2313991"/>
+              <a:gd name="connsiteY2" fmla="*/ 0 h 541175"/>
+              <a:gd name="connsiteX3" fmla="*/ 2313991 w 2313991"/>
+              <a:gd name="connsiteY3" fmla="*/ 0 h 541175"/>
+            </a:gdLst>
+            <a:ahLst/>
+            <a:cxnLst>
+              <a:cxn ang="0">
+                <a:pos x="connsiteX0" y="connsiteY0"/>
+              </a:cxn>
+              <a:cxn ang="0">
+                <a:pos x="connsiteX1" y="connsiteY1"/>
+              </a:cxn>
+              <a:cxn ang="0">
+                <a:pos x="connsiteX2" y="connsiteY2"/>
+              </a:cxn>
+              <a:cxn ang="0">
+                <a:pos x="connsiteX3" y="connsiteY3"/>
+              </a:cxn>
+            </a:cxnLst>
+            <a:rect l="l" t="t" r="r" b="b"/>
+            <a:pathLst>
+              <a:path w="2313991" h="541175">
+                <a:moveTo>
+                  <a:pt x="0" y="541175"/>
+                </a:moveTo>
+                <a:lnTo>
+                  <a:pt x="821093" y="541175"/>
+                </a:lnTo>
+                <a:lnTo>
+                  <a:pt x="821093" y="0"/>
+                </a:lnTo>
+                <a:lnTo>
+                  <a:pt x="2313991" y="0"/>
+                </a:lnTo>
+              </a:path>
+            </a:pathLst>
+          </a:custGeom>
+          <a:ln w="19050" cap="rnd">
+            <a:solidFill>
+              <a:schemeClr val="tx1"/>
+            </a:solidFill>
+            <a:round/>
+          </a:ln>
+        </p:spPr>
+        <p:style>
+          <a:lnRef idx="1">
+            <a:schemeClr val="accent1"/>
+          </a:lnRef>
+          <a:fillRef idx="0">
+            <a:schemeClr val="accent1"/>
+          </a:fillRef>
+          <a:effectRef idx="0">
+            <a:schemeClr val="accent1"/>
+          </a:effectRef>
+          <a:fontRef idx="minor">
+            <a:schemeClr val="tx1"/>
+          </a:fontRef>
+        </p:style>
+        <p:txBody>
+          <a:bodyPr rtlCol="0" anchor="ctr"/>
+          <a:lstStyle/>
+          <a:p>
+            <a:pPr algn="ctr"/>
+            <a:endParaRPr lang="ko-KR" altLang="en-US">
+              <a:solidFill>
+                <a:schemeClr val="tx1"/>
+              </a:solidFill>
+              <a:latin typeface="나눔스퀘어" panose="020B0600000101010101" pitchFamily="50" charset="-127"/>
+              <a:ea typeface="나눔스퀘어" panose="020B0600000101010101" pitchFamily="50" charset="-127"/>
+            </a:endParaRPr>
+          </a:p>
+        </p:txBody>
+      </p:sp>
+    </p:spTree>
+    <p:extLst>
+      <p:ext uri="{BB962C8B-B14F-4D97-AF65-F5344CB8AC3E}">
+        <p14:creationId xmlns:p14="http://schemas.microsoft.com/office/powerpoint/2010/main" val="3280093110"/>
+      </p:ext>
+    </p:extLst>
+  </p:cSld>
+  <p:clrMapOvr>
+    <a:masterClrMapping/>
+  </p:clrMapOvr>
+</p:sld>
+</file>
+
+<file path=ppt/slides/slide3.xml><?xml version="1.0" encoding="utf-8"?>
 <p:sld xmlns:a="http://schemas.openxmlformats.org/drawingml/2006/main" xmlns:r="http://schemas.openxmlformats.org/officeDocument/2006/relationships" xmlns:p="http://schemas.openxmlformats.org/presentationml/2006/main">
   <p:cSld>
     <p:spTree>
